--- a/Chapter4/Figures/Fig8.pptx
+++ b/Chapter4/Figures/Fig8.pptx
@@ -7,7 +7,7 @@
   <p:sldIdLst>
     <p:sldId id="256" r:id="rId2"/>
   </p:sldIdLst>
-  <p:sldSz cx="9540875" cy="2160588"/>
+  <p:sldSz cx="6300788" cy="4321175"/>
   <p:notesSz cx="6858000" cy="9144000"/>
   <p:defaultTextStyle>
     <a:defPPr>
@@ -136,8 +136,8 @@
         </p:nvSpPr>
         <p:spPr>
           <a:xfrm>
-            <a:off x="715567" y="671183"/>
-            <a:ext cx="8109744" cy="463126"/>
+            <a:off x="472561" y="1342366"/>
+            <a:ext cx="5355670" cy="926252"/>
           </a:xfrm>
         </p:spPr>
         <p:txBody>
@@ -164,8 +164,8 @@
         </p:nvSpPr>
         <p:spPr>
           <a:xfrm>
-            <a:off x="1431132" y="1224333"/>
-            <a:ext cx="6678613" cy="552150"/>
+            <a:off x="945119" y="2448666"/>
+            <a:ext cx="4410552" cy="1104300"/>
           </a:xfrm>
         </p:spPr>
         <p:txBody>
@@ -288,7 +288,7 @@
           <a:p>
             <a:fld id="{12B93178-11FF-4B33-A7A2-8B4F6255FB33}" type="datetimeFigureOut">
               <a:rPr lang="en-GB" smtClean="0"/>
-              <a:t>08/05/2014</a:t>
+              <a:t>26/09/2014</a:t>
             </a:fld>
             <a:endParaRPr lang="en-GB"/>
           </a:p>
@@ -458,7 +458,7 @@
           <a:p>
             <a:fld id="{12B93178-11FF-4B33-A7A2-8B4F6255FB33}" type="datetimeFigureOut">
               <a:rPr lang="en-GB" smtClean="0"/>
-              <a:t>08/05/2014</a:t>
+              <a:t>26/09/2014</a:t>
             </a:fld>
             <a:endParaRPr lang="en-GB"/>
           </a:p>
@@ -548,8 +548,8 @@
         </p:nvSpPr>
         <p:spPr>
           <a:xfrm>
-            <a:off x="6917134" y="86524"/>
-            <a:ext cx="2146697" cy="1843502"/>
+            <a:off x="4568072" y="173048"/>
+            <a:ext cx="1417677" cy="3687003"/>
           </a:xfrm>
         </p:spPr>
         <p:txBody>
@@ -576,8 +576,8 @@
         </p:nvSpPr>
         <p:spPr>
           <a:xfrm>
-            <a:off x="477044" y="86524"/>
-            <a:ext cx="6281076" cy="1843502"/>
+            <a:off x="315040" y="173048"/>
+            <a:ext cx="4148018" cy="3687003"/>
           </a:xfrm>
         </p:spPr>
         <p:txBody>
@@ -638,7 +638,7 @@
           <a:p>
             <a:fld id="{12B93178-11FF-4B33-A7A2-8B4F6255FB33}" type="datetimeFigureOut">
               <a:rPr lang="en-GB" smtClean="0"/>
-              <a:t>08/05/2014</a:t>
+              <a:t>26/09/2014</a:t>
             </a:fld>
             <a:endParaRPr lang="en-GB"/>
           </a:p>
@@ -808,7 +808,7 @@
           <a:p>
             <a:fld id="{12B93178-11FF-4B33-A7A2-8B4F6255FB33}" type="datetimeFigureOut">
               <a:rPr lang="en-GB" smtClean="0"/>
-              <a:t>08/05/2014</a:t>
+              <a:t>26/09/2014</a:t>
             </a:fld>
             <a:endParaRPr lang="en-GB"/>
           </a:p>
@@ -898,8 +898,8 @@
         </p:nvSpPr>
         <p:spPr>
           <a:xfrm>
-            <a:off x="753665" y="1388379"/>
-            <a:ext cx="8109744" cy="429116"/>
+            <a:off x="497720" y="2776757"/>
+            <a:ext cx="5355670" cy="858231"/>
           </a:xfrm>
         </p:spPr>
         <p:txBody>
@@ -930,8 +930,8 @@
         </p:nvSpPr>
         <p:spPr>
           <a:xfrm>
-            <a:off x="753665" y="915750"/>
-            <a:ext cx="8109744" cy="472628"/>
+            <a:off x="497720" y="1831501"/>
+            <a:ext cx="5355670" cy="945255"/>
           </a:xfrm>
         </p:spPr>
         <p:txBody>
@@ -1054,7 +1054,7 @@
           <a:p>
             <a:fld id="{12B93178-11FF-4B33-A7A2-8B4F6255FB33}" type="datetimeFigureOut">
               <a:rPr lang="en-GB" smtClean="0"/>
-              <a:t>08/05/2014</a:t>
+              <a:t>26/09/2014</a:t>
             </a:fld>
             <a:endParaRPr lang="en-GB"/>
           </a:p>
@@ -1167,8 +1167,8 @@
         </p:nvSpPr>
         <p:spPr>
           <a:xfrm>
-            <a:off x="477045" y="504137"/>
-            <a:ext cx="4213886" cy="1425889"/>
+            <a:off x="315040" y="1008274"/>
+            <a:ext cx="2782848" cy="2851778"/>
           </a:xfrm>
         </p:spPr>
         <p:txBody>
@@ -1252,8 +1252,8 @@
         </p:nvSpPr>
         <p:spPr>
           <a:xfrm>
-            <a:off x="4849946" y="504137"/>
-            <a:ext cx="4213886" cy="1425889"/>
+            <a:off x="3202901" y="1008274"/>
+            <a:ext cx="2782848" cy="2851778"/>
           </a:xfrm>
         </p:spPr>
         <p:txBody>
@@ -1342,7 +1342,7 @@
           <a:p>
             <a:fld id="{12B93178-11FF-4B33-A7A2-8B4F6255FB33}" type="datetimeFigureOut">
               <a:rPr lang="en-GB" smtClean="0"/>
-              <a:t>08/05/2014</a:t>
+              <a:t>26/09/2014</a:t>
             </a:fld>
             <a:endParaRPr lang="en-GB"/>
           </a:p>
@@ -1459,8 +1459,8 @@
         </p:nvSpPr>
         <p:spPr>
           <a:xfrm>
-            <a:off x="477045" y="483632"/>
-            <a:ext cx="4215543" cy="201555"/>
+            <a:off x="315041" y="967264"/>
+            <a:ext cx="2783942" cy="403111"/>
           </a:xfrm>
         </p:spPr>
         <p:txBody>
@@ -1524,8 +1524,8 @@
         </p:nvSpPr>
         <p:spPr>
           <a:xfrm>
-            <a:off x="477045" y="685187"/>
-            <a:ext cx="4215543" cy="1244839"/>
+            <a:off x="315041" y="1370375"/>
+            <a:ext cx="2783942" cy="2489677"/>
           </a:xfrm>
         </p:spPr>
         <p:txBody>
@@ -1609,8 +1609,8 @@
         </p:nvSpPr>
         <p:spPr>
           <a:xfrm>
-            <a:off x="4846633" y="483632"/>
-            <a:ext cx="4217200" cy="201555"/>
+            <a:off x="3200714" y="967264"/>
+            <a:ext cx="2785036" cy="403111"/>
           </a:xfrm>
         </p:spPr>
         <p:txBody>
@@ -1674,8 +1674,8 @@
         </p:nvSpPr>
         <p:spPr>
           <a:xfrm>
-            <a:off x="4846633" y="685187"/>
-            <a:ext cx="4217200" cy="1244839"/>
+            <a:off x="3200714" y="1370375"/>
+            <a:ext cx="2785036" cy="2489677"/>
           </a:xfrm>
         </p:spPr>
         <p:txBody>
@@ -1764,7 +1764,7 @@
           <a:p>
             <a:fld id="{12B93178-11FF-4B33-A7A2-8B4F6255FB33}" type="datetimeFigureOut">
               <a:rPr lang="en-GB" smtClean="0"/>
-              <a:t>08/05/2014</a:t>
+              <a:t>26/09/2014</a:t>
             </a:fld>
             <a:endParaRPr lang="en-GB"/>
           </a:p>
@@ -1882,7 +1882,7 @@
           <a:p>
             <a:fld id="{12B93178-11FF-4B33-A7A2-8B4F6255FB33}" type="datetimeFigureOut">
               <a:rPr lang="en-GB" smtClean="0"/>
-              <a:t>08/05/2014</a:t>
+              <a:t>26/09/2014</a:t>
             </a:fld>
             <a:endParaRPr lang="en-GB"/>
           </a:p>
@@ -1977,7 +1977,7 @@
           <a:p>
             <a:fld id="{12B93178-11FF-4B33-A7A2-8B4F6255FB33}" type="datetimeFigureOut">
               <a:rPr lang="en-GB" smtClean="0"/>
-              <a:t>08/05/2014</a:t>
+              <a:t>26/09/2014</a:t>
             </a:fld>
             <a:endParaRPr lang="en-GB"/>
           </a:p>
@@ -2067,8 +2067,8 @@
         </p:nvSpPr>
         <p:spPr>
           <a:xfrm>
-            <a:off x="477045" y="86024"/>
-            <a:ext cx="3138882" cy="366099"/>
+            <a:off x="315041" y="172049"/>
+            <a:ext cx="2072915" cy="732198"/>
           </a:xfrm>
         </p:spPr>
         <p:txBody>
@@ -2099,8 +2099,8 @@
         </p:nvSpPr>
         <p:spPr>
           <a:xfrm>
-            <a:off x="3730216" y="86024"/>
-            <a:ext cx="5333614" cy="1844002"/>
+            <a:off x="2463433" y="172048"/>
+            <a:ext cx="3522316" cy="3688003"/>
           </a:xfrm>
         </p:spPr>
         <p:txBody>
@@ -2184,8 +2184,8 @@
         </p:nvSpPr>
         <p:spPr>
           <a:xfrm>
-            <a:off x="477045" y="452124"/>
-            <a:ext cx="3138882" cy="1477902"/>
+            <a:off x="315041" y="904248"/>
+            <a:ext cx="2072915" cy="2955803"/>
           </a:xfrm>
         </p:spPr>
         <p:txBody>
@@ -2254,7 +2254,7 @@
           <a:p>
             <a:fld id="{12B93178-11FF-4B33-A7A2-8B4F6255FB33}" type="datetimeFigureOut">
               <a:rPr lang="en-GB" smtClean="0"/>
-              <a:t>08/05/2014</a:t>
+              <a:t>26/09/2014</a:t>
             </a:fld>
             <a:endParaRPr lang="en-GB"/>
           </a:p>
@@ -2344,8 +2344,8 @@
         </p:nvSpPr>
         <p:spPr>
           <a:xfrm>
-            <a:off x="1870079" y="1512413"/>
-            <a:ext cx="5724525" cy="178548"/>
+            <a:off x="1234999" y="3024825"/>
+            <a:ext cx="3780473" cy="357095"/>
           </a:xfrm>
         </p:spPr>
         <p:txBody>
@@ -2376,8 +2376,8 @@
         </p:nvSpPr>
         <p:spPr>
           <a:xfrm>
-            <a:off x="1870079" y="193053"/>
-            <a:ext cx="5724525" cy="1296353"/>
+            <a:off x="1234999" y="386108"/>
+            <a:ext cx="3780473" cy="2592705"/>
           </a:xfrm>
         </p:spPr>
         <p:txBody>
@@ -2437,8 +2437,8 @@
         </p:nvSpPr>
         <p:spPr>
           <a:xfrm>
-            <a:off x="1870079" y="1690960"/>
-            <a:ext cx="5724525" cy="253569"/>
+            <a:off x="1234999" y="3381921"/>
+            <a:ext cx="3780473" cy="507138"/>
           </a:xfrm>
         </p:spPr>
         <p:txBody>
@@ -2507,7 +2507,7 @@
           <a:p>
             <a:fld id="{12B93178-11FF-4B33-A7A2-8B4F6255FB33}" type="datetimeFigureOut">
               <a:rPr lang="en-GB" smtClean="0"/>
-              <a:t>08/05/2014</a:t>
+              <a:t>26/09/2014</a:t>
             </a:fld>
             <a:endParaRPr lang="en-GB"/>
           </a:p>
@@ -2602,8 +2602,8 @@
         </p:nvSpPr>
         <p:spPr>
           <a:xfrm>
-            <a:off x="477045" y="86524"/>
-            <a:ext cx="8586787" cy="360098"/>
+            <a:off x="315041" y="173048"/>
+            <a:ext cx="5670709" cy="720196"/>
           </a:xfrm>
           <a:prstGeom prst="rect">
             <a:avLst/>
@@ -2635,8 +2635,8 @@
         </p:nvSpPr>
         <p:spPr>
           <a:xfrm>
-            <a:off x="477045" y="504137"/>
-            <a:ext cx="8586787" cy="1425889"/>
+            <a:off x="315041" y="1008274"/>
+            <a:ext cx="5670709" cy="2851778"/>
           </a:xfrm>
           <a:prstGeom prst="rect">
             <a:avLst/>
@@ -2697,8 +2697,8 @@
         </p:nvSpPr>
         <p:spPr>
           <a:xfrm>
-            <a:off x="477043" y="2002546"/>
-            <a:ext cx="2226205" cy="115032"/>
+            <a:off x="315040" y="4005091"/>
+            <a:ext cx="1470185" cy="230064"/>
           </a:xfrm>
           <a:prstGeom prst="rect">
             <a:avLst/>
@@ -2720,7 +2720,7 @@
           <a:p>
             <a:fld id="{12B93178-11FF-4B33-A7A2-8B4F6255FB33}" type="datetimeFigureOut">
               <a:rPr lang="en-GB" smtClean="0"/>
-              <a:t>08/05/2014</a:t>
+              <a:t>26/09/2014</a:t>
             </a:fld>
             <a:endParaRPr lang="en-GB"/>
           </a:p>
@@ -2738,8 +2738,8 @@
         </p:nvSpPr>
         <p:spPr>
           <a:xfrm>
-            <a:off x="3259800" y="2002546"/>
-            <a:ext cx="3021277" cy="115032"/>
+            <a:off x="2152772" y="4005091"/>
+            <a:ext cx="1995249" cy="230064"/>
           </a:xfrm>
           <a:prstGeom prst="rect">
             <a:avLst/>
@@ -2775,8 +2775,8 @@
         </p:nvSpPr>
         <p:spPr>
           <a:xfrm>
-            <a:off x="6837627" y="2002546"/>
-            <a:ext cx="2226205" cy="115032"/>
+            <a:off x="4515566" y="4005091"/>
+            <a:ext cx="1470185" cy="230064"/>
           </a:xfrm>
           <a:prstGeom prst="rect">
             <a:avLst/>
@@ -3097,7 +3097,7 @@
       </p:grpSpPr>
       <p:pic>
         <p:nvPicPr>
-          <p:cNvPr id="31" name="Picture 2" descr="C:\Users\Wendy\Documents\wwn20\CPGS\Figures\Samples\CHPI x100\CHPI-4000-humid.jpg"/>
+          <p:cNvPr id="61" name="Picture 2" descr="C:\Users\Wendy\Documents\wwn20\CPGS\Figures\Samples\CHPI x100\CHPI-4000-humid.jpg"/>
           <p:cNvPicPr>
             <a:picLocks noChangeAspect="1" noChangeArrowheads="1"/>
           </p:cNvPicPr>
@@ -3138,7 +3138,7 @@
       </p:pic>
       <p:pic>
         <p:nvPicPr>
-          <p:cNvPr id="32" name="Picture 31"/>
+          <p:cNvPr id="62" name="Picture 61"/>
           <p:cNvPicPr>
             <a:picLocks noChangeAspect="1" noChangeArrowheads="1"/>
           </p:cNvPicPr>
@@ -3146,70 +3146,6 @@
         </p:nvPicPr>
         <p:blipFill>
           <a:blip r:embed="rId3" cstate="print">
-            <a:extLst>
-              <a:ext uri="{28A0092B-C50C-407E-A947-70E740481C1C}">
-                <a14:useLocalDpi xmlns:a14="http://schemas.microsoft.com/office/drawing/2010/main" val="0"/>
-              </a:ext>
-            </a:extLst>
-          </a:blip>
-          <a:srcRect/>
-          <a:stretch>
-            <a:fillRect/>
-          </a:stretch>
-        </p:blipFill>
-        <p:spPr bwMode="auto">
-          <a:xfrm>
-            <a:off x="6795806" y="80612"/>
-            <a:ext cx="2628000" cy="1971000"/>
-          </a:xfrm>
-          <a:prstGeom prst="rect">
-            <a:avLst/>
-          </a:prstGeom>
-          <a:noFill/>
-          <a:ln>
-            <a:noFill/>
-          </a:ln>
-          <a:effectLst/>
-          <a:extLst>
-            <a:ext uri="{909E8E84-426E-40DD-AFC4-6F175D3DCCD1}">
-              <a14:hiddenFill xmlns:a14="http://schemas.microsoft.com/office/drawing/2010/main">
-                <a:solidFill>
-                  <a:schemeClr val="accent1"/>
-                </a:solidFill>
-              </a14:hiddenFill>
-            </a:ext>
-            <a:ext uri="{91240B29-F687-4F45-9708-019B960494DF}">
-              <a14:hiddenLine xmlns:a14="http://schemas.microsoft.com/office/drawing/2010/main" w="9525">
-                <a:solidFill>
-                  <a:schemeClr val="tx1"/>
-                </a:solidFill>
-                <a:miter lim="800000"/>
-                <a:headEnd/>
-                <a:tailEnd/>
-              </a14:hiddenLine>
-            </a:ext>
-            <a:ext uri="{AF507438-7753-43E0-B8FC-AC1667EBCBE1}">
-              <a14:hiddenEffects xmlns:a14="http://schemas.microsoft.com/office/drawing/2010/main">
-                <a:effectLst>
-                  <a:outerShdw dist="35921" dir="2700000" algn="ctr" rotWithShape="0">
-                    <a:schemeClr val="bg2"/>
-                  </a:outerShdw>
-                </a:effectLst>
-              </a14:hiddenEffects>
-            </a:ext>
-          </a:extLst>
-        </p:spPr>
-      </p:pic>
-      <p:pic>
-        <p:nvPicPr>
-          <p:cNvPr id="33" name="Picture 32"/>
-          <p:cNvPicPr>
-            <a:picLocks noChangeAspect="1" noChangeArrowheads="1"/>
-          </p:cNvPicPr>
-          <p:nvPr/>
-        </p:nvPicPr>
-        <p:blipFill>
-          <a:blip r:embed="rId4" cstate="print">
             <a:extLst>
               <a:ext uri="{28A0092B-C50C-407E-A947-70E740481C1C}">
                 <a14:useLocalDpi xmlns:a14="http://schemas.microsoft.com/office/drawing/2010/main" val="0"/>
@@ -3264,29 +3200,153 @@
           </a:extLst>
         </p:spPr>
       </p:pic>
+      <p:sp>
+        <p:nvSpPr>
+          <p:cNvPr id="63" name="TextBox 62"/>
+          <p:cNvSpPr txBox="1"/>
+          <p:nvPr/>
+        </p:nvSpPr>
+        <p:spPr>
+          <a:xfrm>
+            <a:off x="-74557" y="-36402"/>
+            <a:ext cx="576064" cy="477054"/>
+          </a:xfrm>
+          <a:prstGeom prst="rect">
+            <a:avLst/>
+          </a:prstGeom>
+          <a:noFill/>
+        </p:spPr>
+        <p:txBody>
+          <a:bodyPr wrap="square" rtlCol="0">
+            <a:spAutoFit/>
+          </a:bodyPr>
+          <a:lstStyle/>
+          <a:p>
+            <a:r>
+              <a:rPr lang="en-GB" sz="2500" dirty="0" smtClean="0"/>
+              <a:t>(a)</a:t>
+            </a:r>
+            <a:endParaRPr lang="en-GB" sz="2500" dirty="0"/>
+          </a:p>
+        </p:txBody>
+      </p:sp>
+      <p:sp>
+        <p:nvSpPr>
+          <p:cNvPr id="64" name="TextBox 63"/>
+          <p:cNvSpPr txBox="1"/>
+          <p:nvPr/>
+        </p:nvSpPr>
+        <p:spPr>
+          <a:xfrm>
+            <a:off x="3113228" y="-36402"/>
+            <a:ext cx="576064" cy="477054"/>
+          </a:xfrm>
+          <a:prstGeom prst="rect">
+            <a:avLst/>
+          </a:prstGeom>
+          <a:noFill/>
+        </p:spPr>
+        <p:txBody>
+          <a:bodyPr wrap="square" rtlCol="0">
+            <a:spAutoFit/>
+          </a:bodyPr>
+          <a:lstStyle/>
+          <a:p>
+            <a:r>
+              <a:rPr lang="en-GB" sz="2500" dirty="0" smtClean="0"/>
+              <a:t>(b)</a:t>
+            </a:r>
+            <a:endParaRPr lang="en-GB" sz="2500" dirty="0"/>
+          </a:p>
+        </p:txBody>
+      </p:sp>
+      <p:pic>
+        <p:nvPicPr>
+          <p:cNvPr id="65" name="Picture 64"/>
+          <p:cNvPicPr>
+            <a:picLocks noChangeAspect="1" noChangeArrowheads="1"/>
+          </p:cNvPicPr>
+          <p:nvPr/>
+        </p:nvPicPr>
+        <p:blipFill>
+          <a:blip r:embed="rId4" cstate="print">
+            <a:extLst>
+              <a:ext uri="{28A0092B-C50C-407E-A947-70E740481C1C}">
+                <a14:useLocalDpi xmlns:a14="http://schemas.microsoft.com/office/drawing/2010/main" val="0"/>
+              </a:ext>
+            </a:extLst>
+          </a:blip>
+          <a:srcRect/>
+          <a:stretch>
+            <a:fillRect/>
+          </a:stretch>
+        </p:blipFill>
+        <p:spPr bwMode="auto">
+          <a:xfrm>
+            <a:off x="1962125" y="2186988"/>
+            <a:ext cx="2628000" cy="1971000"/>
+          </a:xfrm>
+          <a:prstGeom prst="rect">
+            <a:avLst/>
+          </a:prstGeom>
+          <a:noFill/>
+          <a:ln>
+            <a:noFill/>
+          </a:ln>
+          <a:effectLst/>
+          <a:extLst>
+            <a:ext uri="{909E8E84-426E-40DD-AFC4-6F175D3DCCD1}">
+              <a14:hiddenFill xmlns:a14="http://schemas.microsoft.com/office/drawing/2010/main">
+                <a:solidFill>
+                  <a:schemeClr val="accent1"/>
+                </a:solidFill>
+              </a14:hiddenFill>
+            </a:ext>
+            <a:ext uri="{91240B29-F687-4F45-9708-019B960494DF}">
+              <a14:hiddenLine xmlns:a14="http://schemas.microsoft.com/office/drawing/2010/main" w="9525">
+                <a:solidFill>
+                  <a:schemeClr val="tx1"/>
+                </a:solidFill>
+                <a:miter lim="800000"/>
+                <a:headEnd/>
+                <a:tailEnd/>
+              </a14:hiddenLine>
+            </a:ext>
+            <a:ext uri="{AF507438-7753-43E0-B8FC-AC1667EBCBE1}">
+              <a14:hiddenEffects xmlns:a14="http://schemas.microsoft.com/office/drawing/2010/main">
+                <a:effectLst>
+                  <a:outerShdw dist="35921" dir="2700000" algn="ctr" rotWithShape="0">
+                    <a:schemeClr val="bg2"/>
+                  </a:outerShdw>
+                </a:effectLst>
+              </a14:hiddenEffects>
+            </a:ext>
+          </a:extLst>
+        </p:spPr>
+      </p:pic>
       <p:grpSp>
         <p:nvGrpSpPr>
-          <p:cNvPr id="34" name="Group 33"/>
+          <p:cNvPr id="66" name="Group 65"/>
           <p:cNvGrpSpPr/>
           <p:nvPr/>
         </p:nvGrpSpPr>
         <p:grpSpPr>
           <a:xfrm>
-            <a:off x="8596006" y="1552710"/>
+            <a:off x="3762325" y="3659086"/>
             <a:ext cx="827800" cy="400110"/>
-            <a:chOff x="8779398" y="8633450"/>
+            <a:chOff x="3762325" y="3659086"/>
             <a:chExt cx="827800" cy="400110"/>
           </a:xfrm>
         </p:grpSpPr>
         <p:cxnSp>
           <p:nvCxnSpPr>
-            <p:cNvPr id="35" name="Straight Connector 34"/>
+            <p:cNvPr id="67" name="Straight Connector 66"/>
             <p:cNvCxnSpPr/>
             <p:nvPr/>
           </p:nvCxnSpPr>
           <p:spPr>
             <a:xfrm>
-              <a:off x="8827368" y="9001224"/>
+              <a:off x="3810295" y="4026860"/>
               <a:ext cx="709200" cy="0"/>
             </a:xfrm>
             <a:prstGeom prst="line">
@@ -3315,13 +3375,13 @@
         </p:cxnSp>
         <p:sp>
           <p:nvSpPr>
-            <p:cNvPr id="36" name="TextBox 35"/>
+            <p:cNvPr id="68" name="TextBox 67"/>
             <p:cNvSpPr txBox="1"/>
             <p:nvPr/>
           </p:nvSpPr>
           <p:spPr>
             <a:xfrm>
-              <a:off x="8779398" y="8633450"/>
+              <a:off x="3762325" y="3659086"/>
               <a:ext cx="827800" cy="400110"/>
             </a:xfrm>
             <a:prstGeom prst="rect">
@@ -3354,13 +3414,13 @@
       </p:grpSp>
       <p:sp>
         <p:nvSpPr>
-          <p:cNvPr id="37" name="TextBox 36"/>
+          <p:cNvPr id="69" name="TextBox 68"/>
           <p:cNvSpPr txBox="1"/>
           <p:nvPr/>
         </p:nvSpPr>
         <p:spPr>
           <a:xfrm>
-            <a:off x="-74557" y="-36402"/>
+            <a:off x="1493781" y="2069974"/>
             <a:ext cx="576064" cy="477054"/>
           </a:xfrm>
           <a:prstGeom prst="rect">
@@ -3376,72 +3436,82 @@
           <a:p>
             <a:r>
               <a:rPr lang="en-GB" sz="2500" dirty="0" smtClean="0"/>
-              <a:t>(a)</a:t>
+              <a:t>(c)</a:t>
             </a:r>
             <a:endParaRPr lang="en-GB" sz="2500" dirty="0"/>
           </a:p>
         </p:txBody>
       </p:sp>
-      <p:sp>
-        <p:nvSpPr>
-          <p:cNvPr id="38" name="TextBox 37"/>
-          <p:cNvSpPr txBox="1"/>
+      <p:cxnSp>
+        <p:nvCxnSpPr>
+          <p:cNvPr id="70" name="Straight Connector 69"/>
+          <p:cNvCxnSpPr/>
           <p:nvPr/>
-        </p:nvSpPr>
+        </p:nvCxnSpPr>
         <p:spPr>
           <a:xfrm>
-            <a:off x="3113228" y="-36402"/>
-            <a:ext cx="576064" cy="477054"/>
+            <a:off x="2178149" y="1872382"/>
+            <a:ext cx="709200" cy="0"/>
           </a:xfrm>
-          <a:prstGeom prst="rect">
+          <a:prstGeom prst="line">
             <a:avLst/>
           </a:prstGeom>
-          <a:noFill/>
+          <a:ln w="28575">
+            <a:solidFill>
+              <a:schemeClr val="bg1"/>
+            </a:solidFill>
+          </a:ln>
         </p:spPr>
-        <p:txBody>
-          <a:bodyPr wrap="square" rtlCol="0">
-            <a:spAutoFit/>
-          </a:bodyPr>
-          <a:lstStyle/>
-          <a:p>
-            <a:r>
-              <a:rPr lang="en-GB" sz="2500" dirty="0" smtClean="0"/>
-              <a:t>(b)</a:t>
-            </a:r>
-            <a:endParaRPr lang="en-GB" sz="2500" dirty="0"/>
-          </a:p>
-        </p:txBody>
-      </p:sp>
-      <p:sp>
-        <p:nvSpPr>
-          <p:cNvPr id="39" name="TextBox 38"/>
-          <p:cNvSpPr txBox="1"/>
+        <p:style>
+          <a:lnRef idx="1">
+            <a:schemeClr val="accent1"/>
+          </a:lnRef>
+          <a:fillRef idx="0">
+            <a:schemeClr val="accent1"/>
+          </a:fillRef>
+          <a:effectRef idx="0">
+            <a:schemeClr val="accent1"/>
+          </a:effectRef>
+          <a:fontRef idx="minor">
+            <a:schemeClr val="tx1"/>
+          </a:fontRef>
+        </p:style>
+      </p:cxnSp>
+      <p:cxnSp>
+        <p:nvCxnSpPr>
+          <p:cNvPr id="71" name="Straight Connector 70"/>
+          <p:cNvCxnSpPr/>
           <p:nvPr/>
-        </p:nvSpPr>
+        </p:nvCxnSpPr>
         <p:spPr>
           <a:xfrm>
-            <a:off x="6327462" y="-36402"/>
-            <a:ext cx="576064" cy="477054"/>
+            <a:off x="5346501" y="1860642"/>
+            <a:ext cx="709200" cy="0"/>
           </a:xfrm>
-          <a:prstGeom prst="rect">
+          <a:prstGeom prst="line">
             <a:avLst/>
           </a:prstGeom>
-          <a:noFill/>
+          <a:ln w="28575">
+            <a:solidFill>
+              <a:schemeClr val="bg1"/>
+            </a:solidFill>
+          </a:ln>
         </p:spPr>
-        <p:txBody>
-          <a:bodyPr wrap="square" rtlCol="0">
-            <a:spAutoFit/>
-          </a:bodyPr>
-          <a:lstStyle/>
-          <a:p>
-            <a:r>
-              <a:rPr lang="en-GB" sz="2500" dirty="0" smtClean="0"/>
-              <a:t>(c)</a:t>
-            </a:r>
-            <a:endParaRPr lang="en-GB" sz="2500" dirty="0"/>
-          </a:p>
-        </p:txBody>
-      </p:sp>
+        <p:style>
+          <a:lnRef idx="1">
+            <a:schemeClr val="accent1"/>
+          </a:lnRef>
+          <a:fillRef idx="0">
+            <a:schemeClr val="accent1"/>
+          </a:fillRef>
+          <a:effectRef idx="0">
+            <a:schemeClr val="accent1"/>
+          </a:effectRef>
+          <a:fontRef idx="minor">
+            <a:schemeClr val="tx1"/>
+          </a:fontRef>
+        </p:style>
+      </p:cxnSp>
     </p:spTree>
     <p:extLst>
       <p:ext uri="{BB962C8B-B14F-4D97-AF65-F5344CB8AC3E}">
@@ -3486,7 +3556,7 @@
                                           </p:stCondLst>
                                         </p:cTn>
                                         <p:tgtEl>
-                                          <p:spTgt spid="32"/>
+                                          <p:spTgt spid="65"/>
                                         </p:tgtEl>
                                         <p:attrNameLst>
                                           <p:attrName>style.visibility</p:attrName>

--- a/Chapter4/Figures/Fig8.pptx
+++ b/Chapter4/Figures/Fig8.pptx
@@ -7,14 +7,14 @@
   <p:sldIdLst>
     <p:sldId id="256" r:id="rId2"/>
   </p:sldIdLst>
-  <p:sldSz cx="6300788" cy="4321175"/>
+  <p:sldSz cx="8461375" cy="4500563"/>
   <p:notesSz cx="6858000" cy="9144000"/>
   <p:defaultTextStyle>
     <a:defPPr>
       <a:defRPr lang="en-US"/>
     </a:defPPr>
-    <a:lvl1pPr marL="0" algn="l" defTabSz="840151" rtl="0" eaLnBrk="1" latinLnBrk="0" hangingPunct="1">
-      <a:defRPr sz="1700" kern="1200">
+    <a:lvl1pPr marL="0" algn="l" defTabSz="925510" rtl="0" eaLnBrk="1" latinLnBrk="0" hangingPunct="1">
+      <a:defRPr sz="1900" kern="1200">
         <a:solidFill>
           <a:schemeClr val="tx1"/>
         </a:solidFill>
@@ -23,8 +23,8 @@
         <a:cs typeface="+mn-cs"/>
       </a:defRPr>
     </a:lvl1pPr>
-    <a:lvl2pPr marL="420075" algn="l" defTabSz="840151" rtl="0" eaLnBrk="1" latinLnBrk="0" hangingPunct="1">
-      <a:defRPr sz="1700" kern="1200">
+    <a:lvl2pPr marL="462755" algn="l" defTabSz="925510" rtl="0" eaLnBrk="1" latinLnBrk="0" hangingPunct="1">
+      <a:defRPr sz="1900" kern="1200">
         <a:solidFill>
           <a:schemeClr val="tx1"/>
         </a:solidFill>
@@ -33,8 +33,8 @@
         <a:cs typeface="+mn-cs"/>
       </a:defRPr>
     </a:lvl2pPr>
-    <a:lvl3pPr marL="840151" algn="l" defTabSz="840151" rtl="0" eaLnBrk="1" latinLnBrk="0" hangingPunct="1">
-      <a:defRPr sz="1700" kern="1200">
+    <a:lvl3pPr marL="925510" algn="l" defTabSz="925510" rtl="0" eaLnBrk="1" latinLnBrk="0" hangingPunct="1">
+      <a:defRPr sz="1900" kern="1200">
         <a:solidFill>
           <a:schemeClr val="tx1"/>
         </a:solidFill>
@@ -43,8 +43,8 @@
         <a:cs typeface="+mn-cs"/>
       </a:defRPr>
     </a:lvl3pPr>
-    <a:lvl4pPr marL="1260226" algn="l" defTabSz="840151" rtl="0" eaLnBrk="1" latinLnBrk="0" hangingPunct="1">
-      <a:defRPr sz="1700" kern="1200">
+    <a:lvl4pPr marL="1388265" algn="l" defTabSz="925510" rtl="0" eaLnBrk="1" latinLnBrk="0" hangingPunct="1">
+      <a:defRPr sz="1900" kern="1200">
         <a:solidFill>
           <a:schemeClr val="tx1"/>
         </a:solidFill>
@@ -53,8 +53,8 @@
         <a:cs typeface="+mn-cs"/>
       </a:defRPr>
     </a:lvl4pPr>
-    <a:lvl5pPr marL="1680301" algn="l" defTabSz="840151" rtl="0" eaLnBrk="1" latinLnBrk="0" hangingPunct="1">
-      <a:defRPr sz="1700" kern="1200">
+    <a:lvl5pPr marL="1851020" algn="l" defTabSz="925510" rtl="0" eaLnBrk="1" latinLnBrk="0" hangingPunct="1">
+      <a:defRPr sz="1900" kern="1200">
         <a:solidFill>
           <a:schemeClr val="tx1"/>
         </a:solidFill>
@@ -63,8 +63,8 @@
         <a:cs typeface="+mn-cs"/>
       </a:defRPr>
     </a:lvl5pPr>
-    <a:lvl6pPr marL="2100377" algn="l" defTabSz="840151" rtl="0" eaLnBrk="1" latinLnBrk="0" hangingPunct="1">
-      <a:defRPr sz="1700" kern="1200">
+    <a:lvl6pPr marL="2313775" algn="l" defTabSz="925510" rtl="0" eaLnBrk="1" latinLnBrk="0" hangingPunct="1">
+      <a:defRPr sz="1900" kern="1200">
         <a:solidFill>
           <a:schemeClr val="tx1"/>
         </a:solidFill>
@@ -73,8 +73,8 @@
         <a:cs typeface="+mn-cs"/>
       </a:defRPr>
     </a:lvl6pPr>
-    <a:lvl7pPr marL="2520452" algn="l" defTabSz="840151" rtl="0" eaLnBrk="1" latinLnBrk="0" hangingPunct="1">
-      <a:defRPr sz="1700" kern="1200">
+    <a:lvl7pPr marL="2776530" algn="l" defTabSz="925510" rtl="0" eaLnBrk="1" latinLnBrk="0" hangingPunct="1">
+      <a:defRPr sz="1900" kern="1200">
         <a:solidFill>
           <a:schemeClr val="tx1"/>
         </a:solidFill>
@@ -83,8 +83,8 @@
         <a:cs typeface="+mn-cs"/>
       </a:defRPr>
     </a:lvl7pPr>
-    <a:lvl8pPr marL="2940528" algn="l" defTabSz="840151" rtl="0" eaLnBrk="1" latinLnBrk="0" hangingPunct="1">
-      <a:defRPr sz="1700" kern="1200">
+    <a:lvl8pPr marL="3239286" algn="l" defTabSz="925510" rtl="0" eaLnBrk="1" latinLnBrk="0" hangingPunct="1">
+      <a:defRPr sz="1900" kern="1200">
         <a:solidFill>
           <a:schemeClr val="tx1"/>
         </a:solidFill>
@@ -93,8 +93,8 @@
         <a:cs typeface="+mn-cs"/>
       </a:defRPr>
     </a:lvl8pPr>
-    <a:lvl9pPr marL="3360603" algn="l" defTabSz="840151" rtl="0" eaLnBrk="1" latinLnBrk="0" hangingPunct="1">
-      <a:defRPr sz="1700" kern="1200">
+    <a:lvl9pPr marL="3702040" algn="l" defTabSz="925510" rtl="0" eaLnBrk="1" latinLnBrk="0" hangingPunct="1">
+      <a:defRPr sz="1900" kern="1200">
         <a:solidFill>
           <a:schemeClr val="tx1"/>
         </a:solidFill>
@@ -136,8 +136,8 @@
         </p:nvSpPr>
         <p:spPr>
           <a:xfrm>
-            <a:off x="472561" y="1342366"/>
-            <a:ext cx="5355670" cy="926252"/>
+            <a:off x="634606" y="1398093"/>
+            <a:ext cx="7192169" cy="964704"/>
           </a:xfrm>
         </p:spPr>
         <p:txBody>
@@ -164,8 +164,8 @@
         </p:nvSpPr>
         <p:spPr>
           <a:xfrm>
-            <a:off x="945119" y="2448666"/>
-            <a:ext cx="4410552" cy="1104300"/>
+            <a:off x="1269207" y="2550319"/>
+            <a:ext cx="5922963" cy="1150144"/>
           </a:xfrm>
         </p:spPr>
         <p:txBody>
@@ -181,7 +181,7 @@
                 </a:solidFill>
               </a:defRPr>
             </a:lvl1pPr>
-            <a:lvl2pPr marL="420075" indent="0" algn="ctr">
+            <a:lvl2pPr marL="462755" indent="0" algn="ctr">
               <a:buNone/>
               <a:defRPr>
                 <a:solidFill>
@@ -191,7 +191,7 @@
                 </a:solidFill>
               </a:defRPr>
             </a:lvl2pPr>
-            <a:lvl3pPr marL="840151" indent="0" algn="ctr">
+            <a:lvl3pPr marL="925510" indent="0" algn="ctr">
               <a:buNone/>
               <a:defRPr>
                 <a:solidFill>
@@ -201,7 +201,7 @@
                 </a:solidFill>
               </a:defRPr>
             </a:lvl3pPr>
-            <a:lvl4pPr marL="1260226" indent="0" algn="ctr">
+            <a:lvl4pPr marL="1388265" indent="0" algn="ctr">
               <a:buNone/>
               <a:defRPr>
                 <a:solidFill>
@@ -211,7 +211,7 @@
                 </a:solidFill>
               </a:defRPr>
             </a:lvl4pPr>
-            <a:lvl5pPr marL="1680301" indent="0" algn="ctr">
+            <a:lvl5pPr marL="1851020" indent="0" algn="ctr">
               <a:buNone/>
               <a:defRPr>
                 <a:solidFill>
@@ -221,7 +221,7 @@
                 </a:solidFill>
               </a:defRPr>
             </a:lvl5pPr>
-            <a:lvl6pPr marL="2100377" indent="0" algn="ctr">
+            <a:lvl6pPr marL="2313775" indent="0" algn="ctr">
               <a:buNone/>
               <a:defRPr>
                 <a:solidFill>
@@ -231,7 +231,7 @@
                 </a:solidFill>
               </a:defRPr>
             </a:lvl6pPr>
-            <a:lvl7pPr marL="2520452" indent="0" algn="ctr">
+            <a:lvl7pPr marL="2776530" indent="0" algn="ctr">
               <a:buNone/>
               <a:defRPr>
                 <a:solidFill>
@@ -241,7 +241,7 @@
                 </a:solidFill>
               </a:defRPr>
             </a:lvl7pPr>
-            <a:lvl8pPr marL="2940528" indent="0" algn="ctr">
+            <a:lvl8pPr marL="3239286" indent="0" algn="ctr">
               <a:buNone/>
               <a:defRPr>
                 <a:solidFill>
@@ -251,7 +251,7 @@
                 </a:solidFill>
               </a:defRPr>
             </a:lvl8pPr>
-            <a:lvl9pPr marL="3360603" indent="0" algn="ctr">
+            <a:lvl9pPr marL="3702040" indent="0" algn="ctr">
               <a:buNone/>
               <a:defRPr>
                 <a:solidFill>
@@ -288,7 +288,7 @@
           <a:p>
             <a:fld id="{12B93178-11FF-4B33-A7A2-8B4F6255FB33}" type="datetimeFigureOut">
               <a:rPr lang="en-GB" smtClean="0"/>
-              <a:t>26/09/2014</a:t>
+              <a:t>18/10/2014</a:t>
             </a:fld>
             <a:endParaRPr lang="en-GB"/>
           </a:p>
@@ -458,7 +458,7 @@
           <a:p>
             <a:fld id="{12B93178-11FF-4B33-A7A2-8B4F6255FB33}" type="datetimeFigureOut">
               <a:rPr lang="en-GB" smtClean="0"/>
-              <a:t>26/09/2014</a:t>
+              <a:t>18/10/2014</a:t>
             </a:fld>
             <a:endParaRPr lang="en-GB"/>
           </a:p>
@@ -548,8 +548,8 @@
         </p:nvSpPr>
         <p:spPr>
           <a:xfrm>
-            <a:off x="4568072" y="173048"/>
-            <a:ext cx="1417677" cy="3687003"/>
+            <a:off x="6134500" y="180232"/>
+            <a:ext cx="1903808" cy="3840064"/>
           </a:xfrm>
         </p:spPr>
         <p:txBody>
@@ -576,8 +576,8 @@
         </p:nvSpPr>
         <p:spPr>
           <a:xfrm>
-            <a:off x="315040" y="173048"/>
-            <a:ext cx="4148018" cy="3687003"/>
+            <a:off x="423069" y="180232"/>
+            <a:ext cx="5570405" cy="3840064"/>
           </a:xfrm>
         </p:spPr>
         <p:txBody>
@@ -638,7 +638,7 @@
           <a:p>
             <a:fld id="{12B93178-11FF-4B33-A7A2-8B4F6255FB33}" type="datetimeFigureOut">
               <a:rPr lang="en-GB" smtClean="0"/>
-              <a:t>26/09/2014</a:t>
+              <a:t>18/10/2014</a:t>
             </a:fld>
             <a:endParaRPr lang="en-GB"/>
           </a:p>
@@ -808,7 +808,7 @@
           <a:p>
             <a:fld id="{12B93178-11FF-4B33-A7A2-8B4F6255FB33}" type="datetimeFigureOut">
               <a:rPr lang="en-GB" smtClean="0"/>
-              <a:t>26/09/2014</a:t>
+              <a:t>18/10/2014</a:t>
             </a:fld>
             <a:endParaRPr lang="en-GB"/>
           </a:p>
@@ -898,15 +898,15 @@
         </p:nvSpPr>
         <p:spPr>
           <a:xfrm>
-            <a:off x="497720" y="2776757"/>
-            <a:ext cx="5355670" cy="858231"/>
+            <a:off x="668393" y="2892033"/>
+            <a:ext cx="7192169" cy="893859"/>
           </a:xfrm>
         </p:spPr>
         <p:txBody>
           <a:bodyPr anchor="t"/>
           <a:lstStyle>
             <a:lvl1pPr algn="l">
-              <a:defRPr sz="3700" b="1" cap="all"/>
+              <a:defRPr sz="4100" b="1" cap="all"/>
             </a:lvl1pPr>
           </a:lstStyle>
           <a:p>
@@ -930,8 +930,8 @@
         </p:nvSpPr>
         <p:spPr>
           <a:xfrm>
-            <a:off x="497720" y="1831501"/>
-            <a:ext cx="5355670" cy="945255"/>
+            <a:off x="668393" y="1907534"/>
+            <a:ext cx="7192169" cy="984496"/>
           </a:xfrm>
         </p:spPr>
         <p:txBody>
@@ -939,7 +939,7 @@
           <a:lstStyle>
             <a:lvl1pPr marL="0" indent="0">
               <a:buNone/>
-              <a:defRPr sz="1800">
+              <a:defRPr sz="2000">
                 <a:solidFill>
                   <a:schemeClr val="tx1">
                     <a:tint val="75000"/>
@@ -947,7 +947,17 @@
                 </a:solidFill>
               </a:defRPr>
             </a:lvl1pPr>
-            <a:lvl2pPr marL="420075" indent="0">
+            <a:lvl2pPr marL="462755" indent="0">
+              <a:buNone/>
+              <a:defRPr sz="1900">
+                <a:solidFill>
+                  <a:schemeClr val="tx1">
+                    <a:tint val="75000"/>
+                  </a:schemeClr>
+                </a:solidFill>
+              </a:defRPr>
+            </a:lvl2pPr>
+            <a:lvl3pPr marL="925510" indent="0">
               <a:buNone/>
               <a:defRPr sz="1700">
                 <a:solidFill>
@@ -956,20 +966,10 @@
                   </a:schemeClr>
                 </a:solidFill>
               </a:defRPr>
-            </a:lvl2pPr>
-            <a:lvl3pPr marL="840151" indent="0">
-              <a:buNone/>
-              <a:defRPr sz="1500">
-                <a:solidFill>
-                  <a:schemeClr val="tx1">
-                    <a:tint val="75000"/>
-                  </a:schemeClr>
-                </a:solidFill>
-              </a:defRPr>
             </a:lvl3pPr>
-            <a:lvl4pPr marL="1260226" indent="0">
-              <a:buNone/>
-              <a:defRPr sz="1300">
+            <a:lvl4pPr marL="1388265" indent="0">
+              <a:buNone/>
+              <a:defRPr sz="1400">
                 <a:solidFill>
                   <a:schemeClr val="tx1">
                     <a:tint val="75000"/>
@@ -977,9 +977,9 @@
                 </a:solidFill>
               </a:defRPr>
             </a:lvl4pPr>
-            <a:lvl5pPr marL="1680301" indent="0">
-              <a:buNone/>
-              <a:defRPr sz="1300">
+            <a:lvl5pPr marL="1851020" indent="0">
+              <a:buNone/>
+              <a:defRPr sz="1400">
                 <a:solidFill>
                   <a:schemeClr val="tx1">
                     <a:tint val="75000"/>
@@ -987,9 +987,9 @@
                 </a:solidFill>
               </a:defRPr>
             </a:lvl5pPr>
-            <a:lvl6pPr marL="2100377" indent="0">
-              <a:buNone/>
-              <a:defRPr sz="1300">
+            <a:lvl6pPr marL="2313775" indent="0">
+              <a:buNone/>
+              <a:defRPr sz="1400">
                 <a:solidFill>
                   <a:schemeClr val="tx1">
                     <a:tint val="75000"/>
@@ -997,9 +997,9 @@
                 </a:solidFill>
               </a:defRPr>
             </a:lvl6pPr>
-            <a:lvl7pPr marL="2520452" indent="0">
-              <a:buNone/>
-              <a:defRPr sz="1300">
+            <a:lvl7pPr marL="2776530" indent="0">
+              <a:buNone/>
+              <a:defRPr sz="1400">
                 <a:solidFill>
                   <a:schemeClr val="tx1">
                     <a:tint val="75000"/>
@@ -1007,9 +1007,9 @@
                 </a:solidFill>
               </a:defRPr>
             </a:lvl7pPr>
-            <a:lvl8pPr marL="2940528" indent="0">
-              <a:buNone/>
-              <a:defRPr sz="1300">
+            <a:lvl8pPr marL="3239286" indent="0">
+              <a:buNone/>
+              <a:defRPr sz="1400">
                 <a:solidFill>
                   <a:schemeClr val="tx1">
                     <a:tint val="75000"/>
@@ -1017,9 +1017,9 @@
                 </a:solidFill>
               </a:defRPr>
             </a:lvl8pPr>
-            <a:lvl9pPr marL="3360603" indent="0">
-              <a:buNone/>
-              <a:defRPr sz="1300">
+            <a:lvl9pPr marL="3702040" indent="0">
+              <a:buNone/>
+              <a:defRPr sz="1400">
                 <a:solidFill>
                   <a:schemeClr val="tx1">
                     <a:tint val="75000"/>
@@ -1054,7 +1054,7 @@
           <a:p>
             <a:fld id="{12B93178-11FF-4B33-A7A2-8B4F6255FB33}" type="datetimeFigureOut">
               <a:rPr lang="en-GB" smtClean="0"/>
-              <a:t>26/09/2014</a:t>
+              <a:t>18/10/2014</a:t>
             </a:fld>
             <a:endParaRPr lang="en-GB"/>
           </a:p>
@@ -1167,39 +1167,39 @@
         </p:nvSpPr>
         <p:spPr>
           <a:xfrm>
-            <a:off x="315040" y="1008274"/>
-            <a:ext cx="2782848" cy="2851778"/>
+            <a:off x="423071" y="1050131"/>
+            <a:ext cx="3737107" cy="2970166"/>
           </a:xfrm>
         </p:spPr>
         <p:txBody>
           <a:bodyPr/>
           <a:lstStyle>
             <a:lvl1pPr>
-              <a:defRPr sz="2600"/>
+              <a:defRPr sz="2900"/>
             </a:lvl1pPr>
             <a:lvl2pPr>
-              <a:defRPr sz="2200"/>
+              <a:defRPr sz="2400"/>
             </a:lvl2pPr>
             <a:lvl3pPr>
-              <a:defRPr sz="1800"/>
+              <a:defRPr sz="2000"/>
             </a:lvl3pPr>
             <a:lvl4pPr>
-              <a:defRPr sz="1700"/>
+              <a:defRPr sz="1900"/>
             </a:lvl4pPr>
             <a:lvl5pPr>
-              <a:defRPr sz="1700"/>
+              <a:defRPr sz="1900"/>
             </a:lvl5pPr>
             <a:lvl6pPr>
-              <a:defRPr sz="1700"/>
+              <a:defRPr sz="1900"/>
             </a:lvl6pPr>
             <a:lvl7pPr>
-              <a:defRPr sz="1700"/>
+              <a:defRPr sz="1900"/>
             </a:lvl7pPr>
             <a:lvl8pPr>
-              <a:defRPr sz="1700"/>
+              <a:defRPr sz="1900"/>
             </a:lvl8pPr>
             <a:lvl9pPr>
-              <a:defRPr sz="1700"/>
+              <a:defRPr sz="1900"/>
             </a:lvl9pPr>
           </a:lstStyle>
           <a:p>
@@ -1252,39 +1252,39 @@
         </p:nvSpPr>
         <p:spPr>
           <a:xfrm>
-            <a:off x="3202901" y="1008274"/>
-            <a:ext cx="2782848" cy="2851778"/>
+            <a:off x="4301200" y="1050131"/>
+            <a:ext cx="3737107" cy="2970166"/>
           </a:xfrm>
         </p:spPr>
         <p:txBody>
           <a:bodyPr/>
           <a:lstStyle>
             <a:lvl1pPr>
-              <a:defRPr sz="2600"/>
+              <a:defRPr sz="2900"/>
             </a:lvl1pPr>
             <a:lvl2pPr>
-              <a:defRPr sz="2200"/>
+              <a:defRPr sz="2400"/>
             </a:lvl2pPr>
             <a:lvl3pPr>
-              <a:defRPr sz="1800"/>
+              <a:defRPr sz="2000"/>
             </a:lvl3pPr>
             <a:lvl4pPr>
-              <a:defRPr sz="1700"/>
+              <a:defRPr sz="1900"/>
             </a:lvl4pPr>
             <a:lvl5pPr>
-              <a:defRPr sz="1700"/>
+              <a:defRPr sz="1900"/>
             </a:lvl5pPr>
             <a:lvl6pPr>
-              <a:defRPr sz="1700"/>
+              <a:defRPr sz="1900"/>
             </a:lvl6pPr>
             <a:lvl7pPr>
-              <a:defRPr sz="1700"/>
+              <a:defRPr sz="1900"/>
             </a:lvl7pPr>
             <a:lvl8pPr>
-              <a:defRPr sz="1700"/>
+              <a:defRPr sz="1900"/>
             </a:lvl8pPr>
             <a:lvl9pPr>
-              <a:defRPr sz="1700"/>
+              <a:defRPr sz="1900"/>
             </a:lvl9pPr>
           </a:lstStyle>
           <a:p>
@@ -1342,7 +1342,7 @@
           <a:p>
             <a:fld id="{12B93178-11FF-4B33-A7A2-8B4F6255FB33}" type="datetimeFigureOut">
               <a:rPr lang="en-GB" smtClean="0"/>
-              <a:t>26/09/2014</a:t>
+              <a:t>18/10/2014</a:t>
             </a:fld>
             <a:endParaRPr lang="en-GB"/>
           </a:p>
@@ -1459,8 +1459,8 @@
         </p:nvSpPr>
         <p:spPr>
           <a:xfrm>
-            <a:off x="315041" y="967264"/>
-            <a:ext cx="2783942" cy="403111"/>
+            <a:off x="423071" y="1007419"/>
+            <a:ext cx="3738577" cy="419846"/>
           </a:xfrm>
         </p:spPr>
         <p:txBody>
@@ -1468,39 +1468,39 @@
           <a:lstStyle>
             <a:lvl1pPr marL="0" indent="0">
               <a:buNone/>
-              <a:defRPr sz="2200" b="1"/>
+              <a:defRPr sz="2400" b="1"/>
             </a:lvl1pPr>
-            <a:lvl2pPr marL="420075" indent="0">
-              <a:buNone/>
-              <a:defRPr sz="1800" b="1"/>
+            <a:lvl2pPr marL="462755" indent="0">
+              <a:buNone/>
+              <a:defRPr sz="2000" b="1"/>
             </a:lvl2pPr>
-            <a:lvl3pPr marL="840151" indent="0">
+            <a:lvl3pPr marL="925510" indent="0">
+              <a:buNone/>
+              <a:defRPr sz="1900" b="1"/>
+            </a:lvl3pPr>
+            <a:lvl4pPr marL="1388265" indent="0">
               <a:buNone/>
               <a:defRPr sz="1700" b="1"/>
-            </a:lvl3pPr>
-            <a:lvl4pPr marL="1260226" indent="0">
-              <a:buNone/>
-              <a:defRPr sz="1500" b="1"/>
             </a:lvl4pPr>
-            <a:lvl5pPr marL="1680301" indent="0">
-              <a:buNone/>
-              <a:defRPr sz="1500" b="1"/>
+            <a:lvl5pPr marL="1851020" indent="0">
+              <a:buNone/>
+              <a:defRPr sz="1700" b="1"/>
             </a:lvl5pPr>
-            <a:lvl6pPr marL="2100377" indent="0">
-              <a:buNone/>
-              <a:defRPr sz="1500" b="1"/>
+            <a:lvl6pPr marL="2313775" indent="0">
+              <a:buNone/>
+              <a:defRPr sz="1700" b="1"/>
             </a:lvl6pPr>
-            <a:lvl7pPr marL="2520452" indent="0">
-              <a:buNone/>
-              <a:defRPr sz="1500" b="1"/>
+            <a:lvl7pPr marL="2776530" indent="0">
+              <a:buNone/>
+              <a:defRPr sz="1700" b="1"/>
             </a:lvl7pPr>
-            <a:lvl8pPr marL="2940528" indent="0">
-              <a:buNone/>
-              <a:defRPr sz="1500" b="1"/>
+            <a:lvl8pPr marL="3239286" indent="0">
+              <a:buNone/>
+              <a:defRPr sz="1700" b="1"/>
             </a:lvl8pPr>
-            <a:lvl9pPr marL="3360603" indent="0">
-              <a:buNone/>
-              <a:defRPr sz="1500" b="1"/>
+            <a:lvl9pPr marL="3702040" indent="0">
+              <a:buNone/>
+              <a:defRPr sz="1700" b="1"/>
             </a:lvl9pPr>
           </a:lstStyle>
           <a:p>
@@ -1524,39 +1524,39 @@
         </p:nvSpPr>
         <p:spPr>
           <a:xfrm>
-            <a:off x="315041" y="1370375"/>
-            <a:ext cx="2783942" cy="2489677"/>
+            <a:off x="423071" y="1427267"/>
+            <a:ext cx="3738577" cy="2593033"/>
           </a:xfrm>
         </p:spPr>
         <p:txBody>
           <a:bodyPr/>
           <a:lstStyle>
             <a:lvl1pPr>
-              <a:defRPr sz="2200"/>
+              <a:defRPr sz="2400"/>
             </a:lvl1pPr>
             <a:lvl2pPr>
-              <a:defRPr sz="1800"/>
+              <a:defRPr sz="2000"/>
             </a:lvl2pPr>
             <a:lvl3pPr>
-              <a:defRPr sz="1700"/>
+              <a:defRPr sz="1900"/>
             </a:lvl3pPr>
             <a:lvl4pPr>
-              <a:defRPr sz="1500"/>
+              <a:defRPr sz="1700"/>
             </a:lvl4pPr>
             <a:lvl5pPr>
-              <a:defRPr sz="1500"/>
+              <a:defRPr sz="1700"/>
             </a:lvl5pPr>
             <a:lvl6pPr>
-              <a:defRPr sz="1500"/>
+              <a:defRPr sz="1700"/>
             </a:lvl6pPr>
             <a:lvl7pPr>
-              <a:defRPr sz="1500"/>
+              <a:defRPr sz="1700"/>
             </a:lvl7pPr>
             <a:lvl8pPr>
-              <a:defRPr sz="1500"/>
+              <a:defRPr sz="1700"/>
             </a:lvl8pPr>
             <a:lvl9pPr>
-              <a:defRPr sz="1500"/>
+              <a:defRPr sz="1700"/>
             </a:lvl9pPr>
           </a:lstStyle>
           <a:p>
@@ -1609,8 +1609,8 @@
         </p:nvSpPr>
         <p:spPr>
           <a:xfrm>
-            <a:off x="3200714" y="967264"/>
-            <a:ext cx="2785036" cy="403111"/>
+            <a:off x="4298263" y="1007419"/>
+            <a:ext cx="3740045" cy="419846"/>
           </a:xfrm>
         </p:spPr>
         <p:txBody>
@@ -1618,39 +1618,39 @@
           <a:lstStyle>
             <a:lvl1pPr marL="0" indent="0">
               <a:buNone/>
-              <a:defRPr sz="2200" b="1"/>
+              <a:defRPr sz="2400" b="1"/>
             </a:lvl1pPr>
-            <a:lvl2pPr marL="420075" indent="0">
-              <a:buNone/>
-              <a:defRPr sz="1800" b="1"/>
+            <a:lvl2pPr marL="462755" indent="0">
+              <a:buNone/>
+              <a:defRPr sz="2000" b="1"/>
             </a:lvl2pPr>
-            <a:lvl3pPr marL="840151" indent="0">
+            <a:lvl3pPr marL="925510" indent="0">
+              <a:buNone/>
+              <a:defRPr sz="1900" b="1"/>
+            </a:lvl3pPr>
+            <a:lvl4pPr marL="1388265" indent="0">
               <a:buNone/>
               <a:defRPr sz="1700" b="1"/>
-            </a:lvl3pPr>
-            <a:lvl4pPr marL="1260226" indent="0">
-              <a:buNone/>
-              <a:defRPr sz="1500" b="1"/>
             </a:lvl4pPr>
-            <a:lvl5pPr marL="1680301" indent="0">
-              <a:buNone/>
-              <a:defRPr sz="1500" b="1"/>
+            <a:lvl5pPr marL="1851020" indent="0">
+              <a:buNone/>
+              <a:defRPr sz="1700" b="1"/>
             </a:lvl5pPr>
-            <a:lvl6pPr marL="2100377" indent="0">
-              <a:buNone/>
-              <a:defRPr sz="1500" b="1"/>
+            <a:lvl6pPr marL="2313775" indent="0">
+              <a:buNone/>
+              <a:defRPr sz="1700" b="1"/>
             </a:lvl6pPr>
-            <a:lvl7pPr marL="2520452" indent="0">
-              <a:buNone/>
-              <a:defRPr sz="1500" b="1"/>
+            <a:lvl7pPr marL="2776530" indent="0">
+              <a:buNone/>
+              <a:defRPr sz="1700" b="1"/>
             </a:lvl7pPr>
-            <a:lvl8pPr marL="2940528" indent="0">
-              <a:buNone/>
-              <a:defRPr sz="1500" b="1"/>
+            <a:lvl8pPr marL="3239286" indent="0">
+              <a:buNone/>
+              <a:defRPr sz="1700" b="1"/>
             </a:lvl8pPr>
-            <a:lvl9pPr marL="3360603" indent="0">
-              <a:buNone/>
-              <a:defRPr sz="1500" b="1"/>
+            <a:lvl9pPr marL="3702040" indent="0">
+              <a:buNone/>
+              <a:defRPr sz="1700" b="1"/>
             </a:lvl9pPr>
           </a:lstStyle>
           <a:p>
@@ -1674,39 +1674,39 @@
         </p:nvSpPr>
         <p:spPr>
           <a:xfrm>
-            <a:off x="3200714" y="1370375"/>
-            <a:ext cx="2785036" cy="2489677"/>
+            <a:off x="4298263" y="1427267"/>
+            <a:ext cx="3740045" cy="2593033"/>
           </a:xfrm>
         </p:spPr>
         <p:txBody>
           <a:bodyPr/>
           <a:lstStyle>
             <a:lvl1pPr>
-              <a:defRPr sz="2200"/>
+              <a:defRPr sz="2400"/>
             </a:lvl1pPr>
             <a:lvl2pPr>
-              <a:defRPr sz="1800"/>
+              <a:defRPr sz="2000"/>
             </a:lvl2pPr>
             <a:lvl3pPr>
-              <a:defRPr sz="1700"/>
+              <a:defRPr sz="1900"/>
             </a:lvl3pPr>
             <a:lvl4pPr>
-              <a:defRPr sz="1500"/>
+              <a:defRPr sz="1700"/>
             </a:lvl4pPr>
             <a:lvl5pPr>
-              <a:defRPr sz="1500"/>
+              <a:defRPr sz="1700"/>
             </a:lvl5pPr>
             <a:lvl6pPr>
-              <a:defRPr sz="1500"/>
+              <a:defRPr sz="1700"/>
             </a:lvl6pPr>
             <a:lvl7pPr>
-              <a:defRPr sz="1500"/>
+              <a:defRPr sz="1700"/>
             </a:lvl7pPr>
             <a:lvl8pPr>
-              <a:defRPr sz="1500"/>
+              <a:defRPr sz="1700"/>
             </a:lvl8pPr>
             <a:lvl9pPr>
-              <a:defRPr sz="1500"/>
+              <a:defRPr sz="1700"/>
             </a:lvl9pPr>
           </a:lstStyle>
           <a:p>
@@ -1764,7 +1764,7 @@
           <a:p>
             <a:fld id="{12B93178-11FF-4B33-A7A2-8B4F6255FB33}" type="datetimeFigureOut">
               <a:rPr lang="en-GB" smtClean="0"/>
-              <a:t>26/09/2014</a:t>
+              <a:t>18/10/2014</a:t>
             </a:fld>
             <a:endParaRPr lang="en-GB"/>
           </a:p>
@@ -1882,7 +1882,7 @@
           <a:p>
             <a:fld id="{12B93178-11FF-4B33-A7A2-8B4F6255FB33}" type="datetimeFigureOut">
               <a:rPr lang="en-GB" smtClean="0"/>
-              <a:t>26/09/2014</a:t>
+              <a:t>18/10/2014</a:t>
             </a:fld>
             <a:endParaRPr lang="en-GB"/>
           </a:p>
@@ -1977,7 +1977,7 @@
           <a:p>
             <a:fld id="{12B93178-11FF-4B33-A7A2-8B4F6255FB33}" type="datetimeFigureOut">
               <a:rPr lang="en-GB" smtClean="0"/>
-              <a:t>26/09/2014</a:t>
+              <a:t>18/10/2014</a:t>
             </a:fld>
             <a:endParaRPr lang="en-GB"/>
           </a:p>
@@ -2067,15 +2067,15 @@
         </p:nvSpPr>
         <p:spPr>
           <a:xfrm>
-            <a:off x="315041" y="172049"/>
-            <a:ext cx="2072915" cy="732198"/>
+            <a:off x="423071" y="179192"/>
+            <a:ext cx="2783734" cy="762594"/>
           </a:xfrm>
         </p:spPr>
         <p:txBody>
           <a:bodyPr anchor="b"/>
           <a:lstStyle>
             <a:lvl1pPr algn="l">
-              <a:defRPr sz="1800" b="1"/>
+              <a:defRPr sz="2000" b="1"/>
             </a:lvl1pPr>
           </a:lstStyle>
           <a:p>
@@ -2099,39 +2099,39 @@
         </p:nvSpPr>
         <p:spPr>
           <a:xfrm>
-            <a:off x="2463433" y="172048"/>
-            <a:ext cx="3522316" cy="3688003"/>
+            <a:off x="3308163" y="179191"/>
+            <a:ext cx="4730145" cy="3841106"/>
           </a:xfrm>
         </p:spPr>
         <p:txBody>
           <a:bodyPr/>
           <a:lstStyle>
             <a:lvl1pPr>
-              <a:defRPr sz="2900"/>
+              <a:defRPr sz="3200"/>
             </a:lvl1pPr>
             <a:lvl2pPr>
-              <a:defRPr sz="2600"/>
+              <a:defRPr sz="2900"/>
             </a:lvl2pPr>
             <a:lvl3pPr>
-              <a:defRPr sz="2200"/>
+              <a:defRPr sz="2400"/>
             </a:lvl3pPr>
             <a:lvl4pPr>
-              <a:defRPr sz="1800"/>
+              <a:defRPr sz="2000"/>
             </a:lvl4pPr>
             <a:lvl5pPr>
-              <a:defRPr sz="1800"/>
+              <a:defRPr sz="2000"/>
             </a:lvl5pPr>
             <a:lvl6pPr>
-              <a:defRPr sz="1800"/>
+              <a:defRPr sz="2000"/>
             </a:lvl6pPr>
             <a:lvl7pPr>
-              <a:defRPr sz="1800"/>
+              <a:defRPr sz="2000"/>
             </a:lvl7pPr>
             <a:lvl8pPr>
-              <a:defRPr sz="1800"/>
+              <a:defRPr sz="2000"/>
             </a:lvl8pPr>
             <a:lvl9pPr>
-              <a:defRPr sz="1800"/>
+              <a:defRPr sz="2000"/>
             </a:lvl9pPr>
           </a:lstStyle>
           <a:p>
@@ -2184,8 +2184,8 @@
         </p:nvSpPr>
         <p:spPr>
           <a:xfrm>
-            <a:off x="315041" y="904248"/>
-            <a:ext cx="2072915" cy="2955803"/>
+            <a:off x="423071" y="941789"/>
+            <a:ext cx="2783734" cy="3078509"/>
           </a:xfrm>
         </p:spPr>
         <p:txBody>
@@ -2193,39 +2193,39 @@
           <a:lstStyle>
             <a:lvl1pPr marL="0" indent="0">
               <a:buNone/>
-              <a:defRPr sz="1300"/>
+              <a:defRPr sz="1400"/>
             </a:lvl1pPr>
-            <a:lvl2pPr marL="420075" indent="0">
-              <a:buNone/>
-              <a:defRPr sz="1100"/>
+            <a:lvl2pPr marL="462755" indent="0">
+              <a:buNone/>
+              <a:defRPr sz="1200"/>
             </a:lvl2pPr>
-            <a:lvl3pPr marL="840151" indent="0">
+            <a:lvl3pPr marL="925510" indent="0">
+              <a:buNone/>
+              <a:defRPr sz="1000"/>
+            </a:lvl3pPr>
+            <a:lvl4pPr marL="1388265" indent="0">
               <a:buNone/>
               <a:defRPr sz="900"/>
-            </a:lvl3pPr>
-            <a:lvl4pPr marL="1260226" indent="0">
-              <a:buNone/>
-              <a:defRPr sz="800"/>
             </a:lvl4pPr>
-            <a:lvl5pPr marL="1680301" indent="0">
-              <a:buNone/>
-              <a:defRPr sz="800"/>
+            <a:lvl5pPr marL="1851020" indent="0">
+              <a:buNone/>
+              <a:defRPr sz="900"/>
             </a:lvl5pPr>
-            <a:lvl6pPr marL="2100377" indent="0">
-              <a:buNone/>
-              <a:defRPr sz="800"/>
+            <a:lvl6pPr marL="2313775" indent="0">
+              <a:buNone/>
+              <a:defRPr sz="900"/>
             </a:lvl6pPr>
-            <a:lvl7pPr marL="2520452" indent="0">
-              <a:buNone/>
-              <a:defRPr sz="800"/>
+            <a:lvl7pPr marL="2776530" indent="0">
+              <a:buNone/>
+              <a:defRPr sz="900"/>
             </a:lvl7pPr>
-            <a:lvl8pPr marL="2940528" indent="0">
-              <a:buNone/>
-              <a:defRPr sz="800"/>
+            <a:lvl8pPr marL="3239286" indent="0">
+              <a:buNone/>
+              <a:defRPr sz="900"/>
             </a:lvl8pPr>
-            <a:lvl9pPr marL="3360603" indent="0">
-              <a:buNone/>
-              <a:defRPr sz="800"/>
+            <a:lvl9pPr marL="3702040" indent="0">
+              <a:buNone/>
+              <a:defRPr sz="900"/>
             </a:lvl9pPr>
           </a:lstStyle>
           <a:p>
@@ -2254,7 +2254,7 @@
           <a:p>
             <a:fld id="{12B93178-11FF-4B33-A7A2-8B4F6255FB33}" type="datetimeFigureOut">
               <a:rPr lang="en-GB" smtClean="0"/>
-              <a:t>26/09/2014</a:t>
+              <a:t>18/10/2014</a:t>
             </a:fld>
             <a:endParaRPr lang="en-GB"/>
           </a:p>
@@ -2344,15 +2344,15 @@
         </p:nvSpPr>
         <p:spPr>
           <a:xfrm>
-            <a:off x="1234999" y="3024825"/>
-            <a:ext cx="3780473" cy="357095"/>
+            <a:off x="1658490" y="3150399"/>
+            <a:ext cx="5076825" cy="371919"/>
           </a:xfrm>
         </p:spPr>
         <p:txBody>
           <a:bodyPr anchor="b"/>
           <a:lstStyle>
             <a:lvl1pPr algn="l">
-              <a:defRPr sz="1800" b="1"/>
+              <a:defRPr sz="2000" b="1"/>
             </a:lvl1pPr>
           </a:lstStyle>
           <a:p>
@@ -2376,8 +2376,8 @@
         </p:nvSpPr>
         <p:spPr>
           <a:xfrm>
-            <a:off x="1234999" y="386108"/>
-            <a:ext cx="3780473" cy="2592705"/>
+            <a:off x="1658490" y="402137"/>
+            <a:ext cx="5076825" cy="2700338"/>
           </a:xfrm>
         </p:spPr>
         <p:txBody>
@@ -2385,39 +2385,39 @@
           <a:lstStyle>
             <a:lvl1pPr marL="0" indent="0">
               <a:buNone/>
+              <a:defRPr sz="3200"/>
+            </a:lvl1pPr>
+            <a:lvl2pPr marL="462755" indent="0">
+              <a:buNone/>
               <a:defRPr sz="2900"/>
-            </a:lvl1pPr>
-            <a:lvl2pPr marL="420075" indent="0">
-              <a:buNone/>
-              <a:defRPr sz="2600"/>
             </a:lvl2pPr>
-            <a:lvl3pPr marL="840151" indent="0">
-              <a:buNone/>
-              <a:defRPr sz="2200"/>
+            <a:lvl3pPr marL="925510" indent="0">
+              <a:buNone/>
+              <a:defRPr sz="2400"/>
             </a:lvl3pPr>
-            <a:lvl4pPr marL="1260226" indent="0">
-              <a:buNone/>
-              <a:defRPr sz="1800"/>
+            <a:lvl4pPr marL="1388265" indent="0">
+              <a:buNone/>
+              <a:defRPr sz="2000"/>
             </a:lvl4pPr>
-            <a:lvl5pPr marL="1680301" indent="0">
-              <a:buNone/>
-              <a:defRPr sz="1800"/>
+            <a:lvl5pPr marL="1851020" indent="0">
+              <a:buNone/>
+              <a:defRPr sz="2000"/>
             </a:lvl5pPr>
-            <a:lvl6pPr marL="2100377" indent="0">
-              <a:buNone/>
-              <a:defRPr sz="1800"/>
+            <a:lvl6pPr marL="2313775" indent="0">
+              <a:buNone/>
+              <a:defRPr sz="2000"/>
             </a:lvl6pPr>
-            <a:lvl7pPr marL="2520452" indent="0">
-              <a:buNone/>
-              <a:defRPr sz="1800"/>
+            <a:lvl7pPr marL="2776530" indent="0">
+              <a:buNone/>
+              <a:defRPr sz="2000"/>
             </a:lvl7pPr>
-            <a:lvl8pPr marL="2940528" indent="0">
-              <a:buNone/>
-              <a:defRPr sz="1800"/>
+            <a:lvl8pPr marL="3239286" indent="0">
+              <a:buNone/>
+              <a:defRPr sz="2000"/>
             </a:lvl8pPr>
-            <a:lvl9pPr marL="3360603" indent="0">
-              <a:buNone/>
-              <a:defRPr sz="1800"/>
+            <a:lvl9pPr marL="3702040" indent="0">
+              <a:buNone/>
+              <a:defRPr sz="2000"/>
             </a:lvl9pPr>
           </a:lstStyle>
           <a:p>
@@ -2437,8 +2437,8 @@
         </p:nvSpPr>
         <p:spPr>
           <a:xfrm>
-            <a:off x="1234999" y="3381921"/>
-            <a:ext cx="3780473" cy="507138"/>
+            <a:off x="1658490" y="3522319"/>
+            <a:ext cx="5076825" cy="528191"/>
           </a:xfrm>
         </p:spPr>
         <p:txBody>
@@ -2446,39 +2446,39 @@
           <a:lstStyle>
             <a:lvl1pPr marL="0" indent="0">
               <a:buNone/>
-              <a:defRPr sz="1300"/>
+              <a:defRPr sz="1400"/>
             </a:lvl1pPr>
-            <a:lvl2pPr marL="420075" indent="0">
-              <a:buNone/>
-              <a:defRPr sz="1100"/>
+            <a:lvl2pPr marL="462755" indent="0">
+              <a:buNone/>
+              <a:defRPr sz="1200"/>
             </a:lvl2pPr>
-            <a:lvl3pPr marL="840151" indent="0">
+            <a:lvl3pPr marL="925510" indent="0">
+              <a:buNone/>
+              <a:defRPr sz="1000"/>
+            </a:lvl3pPr>
+            <a:lvl4pPr marL="1388265" indent="0">
               <a:buNone/>
               <a:defRPr sz="900"/>
-            </a:lvl3pPr>
-            <a:lvl4pPr marL="1260226" indent="0">
-              <a:buNone/>
-              <a:defRPr sz="800"/>
             </a:lvl4pPr>
-            <a:lvl5pPr marL="1680301" indent="0">
-              <a:buNone/>
-              <a:defRPr sz="800"/>
+            <a:lvl5pPr marL="1851020" indent="0">
+              <a:buNone/>
+              <a:defRPr sz="900"/>
             </a:lvl5pPr>
-            <a:lvl6pPr marL="2100377" indent="0">
-              <a:buNone/>
-              <a:defRPr sz="800"/>
+            <a:lvl6pPr marL="2313775" indent="0">
+              <a:buNone/>
+              <a:defRPr sz="900"/>
             </a:lvl6pPr>
-            <a:lvl7pPr marL="2520452" indent="0">
-              <a:buNone/>
-              <a:defRPr sz="800"/>
+            <a:lvl7pPr marL="2776530" indent="0">
+              <a:buNone/>
+              <a:defRPr sz="900"/>
             </a:lvl7pPr>
-            <a:lvl8pPr marL="2940528" indent="0">
-              <a:buNone/>
-              <a:defRPr sz="800"/>
+            <a:lvl8pPr marL="3239286" indent="0">
+              <a:buNone/>
+              <a:defRPr sz="900"/>
             </a:lvl8pPr>
-            <a:lvl9pPr marL="3360603" indent="0">
-              <a:buNone/>
-              <a:defRPr sz="800"/>
+            <a:lvl9pPr marL="3702040" indent="0">
+              <a:buNone/>
+              <a:defRPr sz="900"/>
             </a:lvl9pPr>
           </a:lstStyle>
           <a:p>
@@ -2507,7 +2507,7 @@
           <a:p>
             <a:fld id="{12B93178-11FF-4B33-A7A2-8B4F6255FB33}" type="datetimeFigureOut">
               <a:rPr lang="en-GB" smtClean="0"/>
-              <a:t>26/09/2014</a:t>
+              <a:t>18/10/2014</a:t>
             </a:fld>
             <a:endParaRPr lang="en-GB"/>
           </a:p>
@@ -2602,15 +2602,15 @@
         </p:nvSpPr>
         <p:spPr>
           <a:xfrm>
-            <a:off x="315041" y="173048"/>
-            <a:ext cx="5670709" cy="720196"/>
+            <a:off x="423071" y="180232"/>
+            <a:ext cx="7615238" cy="750094"/>
           </a:xfrm>
           <a:prstGeom prst="rect">
             <a:avLst/>
           </a:prstGeom>
         </p:spPr>
         <p:txBody>
-          <a:bodyPr vert="horz" lIns="84015" tIns="42008" rIns="84015" bIns="42008" rtlCol="0" anchor="ctr">
+          <a:bodyPr vert="horz" lIns="92551" tIns="46276" rIns="92551" bIns="46276" rtlCol="0" anchor="ctr">
             <a:normAutofit/>
           </a:bodyPr>
           <a:lstStyle/>
@@ -2635,15 +2635,15 @@
         </p:nvSpPr>
         <p:spPr>
           <a:xfrm>
-            <a:off x="315041" y="1008274"/>
-            <a:ext cx="5670709" cy="2851778"/>
+            <a:off x="423071" y="1050131"/>
+            <a:ext cx="7615238" cy="2970166"/>
           </a:xfrm>
           <a:prstGeom prst="rect">
             <a:avLst/>
           </a:prstGeom>
         </p:spPr>
         <p:txBody>
-          <a:bodyPr vert="horz" lIns="84015" tIns="42008" rIns="84015" bIns="42008" rtlCol="0">
+          <a:bodyPr vert="horz" lIns="92551" tIns="46276" rIns="92551" bIns="46276" rtlCol="0">
             <a:normAutofit/>
           </a:bodyPr>
           <a:lstStyle/>
@@ -2697,18 +2697,18 @@
         </p:nvSpPr>
         <p:spPr>
           <a:xfrm>
-            <a:off x="315040" y="4005091"/>
-            <a:ext cx="1470185" cy="230064"/>
+            <a:off x="423071" y="4171359"/>
+            <a:ext cx="1974322" cy="239615"/>
           </a:xfrm>
           <a:prstGeom prst="rect">
             <a:avLst/>
           </a:prstGeom>
         </p:spPr>
         <p:txBody>
-          <a:bodyPr vert="horz" lIns="84015" tIns="42008" rIns="84015" bIns="42008" rtlCol="0" anchor="ctr"/>
+          <a:bodyPr vert="horz" lIns="92551" tIns="46276" rIns="92551" bIns="46276" rtlCol="0" anchor="ctr"/>
           <a:lstStyle>
             <a:lvl1pPr algn="l">
-              <a:defRPr sz="1100">
+              <a:defRPr sz="1200">
                 <a:solidFill>
                   <a:schemeClr val="tx1">
                     <a:tint val="75000"/>
@@ -2720,7 +2720,7 @@
           <a:p>
             <a:fld id="{12B93178-11FF-4B33-A7A2-8B4F6255FB33}" type="datetimeFigureOut">
               <a:rPr lang="en-GB" smtClean="0"/>
-              <a:t>26/09/2014</a:t>
+              <a:t>18/10/2014</a:t>
             </a:fld>
             <a:endParaRPr lang="en-GB"/>
           </a:p>
@@ -2738,18 +2738,18 @@
         </p:nvSpPr>
         <p:spPr>
           <a:xfrm>
-            <a:off x="2152772" y="4005091"/>
-            <a:ext cx="1995249" cy="230064"/>
+            <a:off x="2890973" y="4171359"/>
+            <a:ext cx="2679435" cy="239615"/>
           </a:xfrm>
           <a:prstGeom prst="rect">
             <a:avLst/>
           </a:prstGeom>
         </p:spPr>
         <p:txBody>
-          <a:bodyPr vert="horz" lIns="84015" tIns="42008" rIns="84015" bIns="42008" rtlCol="0" anchor="ctr"/>
+          <a:bodyPr vert="horz" lIns="92551" tIns="46276" rIns="92551" bIns="46276" rtlCol="0" anchor="ctr"/>
           <a:lstStyle>
             <a:lvl1pPr algn="ctr">
-              <a:defRPr sz="1100">
+              <a:defRPr sz="1200">
                 <a:solidFill>
                   <a:schemeClr val="tx1">
                     <a:tint val="75000"/>
@@ -2775,18 +2775,18 @@
         </p:nvSpPr>
         <p:spPr>
           <a:xfrm>
-            <a:off x="4515566" y="4005091"/>
-            <a:ext cx="1470185" cy="230064"/>
+            <a:off x="6063989" y="4171359"/>
+            <a:ext cx="1974322" cy="239615"/>
           </a:xfrm>
           <a:prstGeom prst="rect">
             <a:avLst/>
           </a:prstGeom>
         </p:spPr>
         <p:txBody>
-          <a:bodyPr vert="horz" lIns="84015" tIns="42008" rIns="84015" bIns="42008" rtlCol="0" anchor="ctr"/>
+          <a:bodyPr vert="horz" lIns="92551" tIns="46276" rIns="92551" bIns="46276" rtlCol="0" anchor="ctr"/>
           <a:lstStyle>
             <a:lvl1pPr algn="r">
-              <a:defRPr sz="1100">
+              <a:defRPr sz="1200">
                 <a:solidFill>
                   <a:schemeClr val="tx1">
                     <a:tint val="75000"/>
@@ -2827,12 +2827,12 @@
   </p:sldLayoutIdLst>
   <p:txStyles>
     <p:titleStyle>
-      <a:lvl1pPr algn="ctr" defTabSz="840151" rtl="0" eaLnBrk="1" latinLnBrk="0" hangingPunct="1">
+      <a:lvl1pPr algn="ctr" defTabSz="925510" rtl="0" eaLnBrk="1" latinLnBrk="0" hangingPunct="1">
         <a:spcBef>
           <a:spcPct val="0"/>
         </a:spcBef>
         <a:buNone/>
-        <a:defRPr sz="4000" kern="1200">
+        <a:defRPr sz="4400" kern="1200">
           <a:solidFill>
             <a:schemeClr val="tx1"/>
           </a:solidFill>
@@ -2843,12 +2843,27 @@
       </a:lvl1pPr>
     </p:titleStyle>
     <p:bodyStyle>
-      <a:lvl1pPr marL="315057" indent="-315057" algn="l" defTabSz="840151" rtl="0" eaLnBrk="1" latinLnBrk="0" hangingPunct="1">
+      <a:lvl1pPr marL="347067" indent="-347067" algn="l" defTabSz="925510" rtl="0" eaLnBrk="1" latinLnBrk="0" hangingPunct="1">
         <a:spcBef>
           <a:spcPct val="20000"/>
         </a:spcBef>
         <a:buFont typeface="Arial" panose="020B0604020202020204" pitchFamily="34" charset="0"/>
         <a:buChar char="•"/>
+        <a:defRPr sz="3200" kern="1200">
+          <a:solidFill>
+            <a:schemeClr val="tx1"/>
+          </a:solidFill>
+          <a:latin typeface="+mn-lt"/>
+          <a:ea typeface="+mn-ea"/>
+          <a:cs typeface="+mn-cs"/>
+        </a:defRPr>
+      </a:lvl1pPr>
+      <a:lvl2pPr marL="751976" indent="-289222" algn="l" defTabSz="925510" rtl="0" eaLnBrk="1" latinLnBrk="0" hangingPunct="1">
+        <a:spcBef>
+          <a:spcPct val="20000"/>
+        </a:spcBef>
+        <a:buFont typeface="Arial" panose="020B0604020202020204" pitchFamily="34" charset="0"/>
+        <a:buChar char="–"/>
         <a:defRPr sz="2900" kern="1200">
           <a:solidFill>
             <a:schemeClr val="tx1"/>
@@ -2857,29 +2872,14 @@
           <a:ea typeface="+mn-ea"/>
           <a:cs typeface="+mn-cs"/>
         </a:defRPr>
-      </a:lvl1pPr>
-      <a:lvl2pPr marL="682622" indent="-262547" algn="l" defTabSz="840151" rtl="0" eaLnBrk="1" latinLnBrk="0" hangingPunct="1">
-        <a:spcBef>
-          <a:spcPct val="20000"/>
-        </a:spcBef>
-        <a:buFont typeface="Arial" panose="020B0604020202020204" pitchFamily="34" charset="0"/>
-        <a:buChar char="–"/>
-        <a:defRPr sz="2600" kern="1200">
-          <a:solidFill>
-            <a:schemeClr val="tx1"/>
-          </a:solidFill>
-          <a:latin typeface="+mn-lt"/>
-          <a:ea typeface="+mn-ea"/>
-          <a:cs typeface="+mn-cs"/>
-        </a:defRPr>
       </a:lvl2pPr>
-      <a:lvl3pPr marL="1050188" indent="-210038" algn="l" defTabSz="840151" rtl="0" eaLnBrk="1" latinLnBrk="0" hangingPunct="1">
+      <a:lvl3pPr marL="1156887" indent="-231378" algn="l" defTabSz="925510" rtl="0" eaLnBrk="1" latinLnBrk="0" hangingPunct="1">
         <a:spcBef>
           <a:spcPct val="20000"/>
         </a:spcBef>
         <a:buFont typeface="Arial" panose="020B0604020202020204" pitchFamily="34" charset="0"/>
         <a:buChar char="•"/>
-        <a:defRPr sz="2200" kern="1200">
+        <a:defRPr sz="2400" kern="1200">
           <a:solidFill>
             <a:schemeClr val="tx1"/>
           </a:solidFill>
@@ -2888,13 +2888,13 @@
           <a:cs typeface="+mn-cs"/>
         </a:defRPr>
       </a:lvl3pPr>
-      <a:lvl4pPr marL="1470264" indent="-210038" algn="l" defTabSz="840151" rtl="0" eaLnBrk="1" latinLnBrk="0" hangingPunct="1">
+      <a:lvl4pPr marL="1619643" indent="-231378" algn="l" defTabSz="925510" rtl="0" eaLnBrk="1" latinLnBrk="0" hangingPunct="1">
         <a:spcBef>
           <a:spcPct val="20000"/>
         </a:spcBef>
         <a:buFont typeface="Arial" panose="020B0604020202020204" pitchFamily="34" charset="0"/>
         <a:buChar char="–"/>
-        <a:defRPr sz="1800" kern="1200">
+        <a:defRPr sz="2000" kern="1200">
           <a:solidFill>
             <a:schemeClr val="tx1"/>
           </a:solidFill>
@@ -2903,13 +2903,13 @@
           <a:cs typeface="+mn-cs"/>
         </a:defRPr>
       </a:lvl4pPr>
-      <a:lvl5pPr marL="1890339" indent="-210038" algn="l" defTabSz="840151" rtl="0" eaLnBrk="1" latinLnBrk="0" hangingPunct="1">
+      <a:lvl5pPr marL="2082397" indent="-231378" algn="l" defTabSz="925510" rtl="0" eaLnBrk="1" latinLnBrk="0" hangingPunct="1">
         <a:spcBef>
           <a:spcPct val="20000"/>
         </a:spcBef>
         <a:buFont typeface="Arial" panose="020B0604020202020204" pitchFamily="34" charset="0"/>
         <a:buChar char="»"/>
-        <a:defRPr sz="1800" kern="1200">
+        <a:defRPr sz="2000" kern="1200">
           <a:solidFill>
             <a:schemeClr val="tx1"/>
           </a:solidFill>
@@ -2918,13 +2918,13 @@
           <a:cs typeface="+mn-cs"/>
         </a:defRPr>
       </a:lvl5pPr>
-      <a:lvl6pPr marL="2310414" indent="-210038" algn="l" defTabSz="840151" rtl="0" eaLnBrk="1" latinLnBrk="0" hangingPunct="1">
+      <a:lvl6pPr marL="2545152" indent="-231378" algn="l" defTabSz="925510" rtl="0" eaLnBrk="1" latinLnBrk="0" hangingPunct="1">
         <a:spcBef>
           <a:spcPct val="20000"/>
         </a:spcBef>
         <a:buFont typeface="Arial" panose="020B0604020202020204" pitchFamily="34" charset="0"/>
         <a:buChar char="•"/>
-        <a:defRPr sz="1800" kern="1200">
+        <a:defRPr sz="2000" kern="1200">
           <a:solidFill>
             <a:schemeClr val="tx1"/>
           </a:solidFill>
@@ -2933,13 +2933,13 @@
           <a:cs typeface="+mn-cs"/>
         </a:defRPr>
       </a:lvl6pPr>
-      <a:lvl7pPr marL="2730490" indent="-210038" algn="l" defTabSz="840151" rtl="0" eaLnBrk="1" latinLnBrk="0" hangingPunct="1">
+      <a:lvl7pPr marL="3007908" indent="-231378" algn="l" defTabSz="925510" rtl="0" eaLnBrk="1" latinLnBrk="0" hangingPunct="1">
         <a:spcBef>
           <a:spcPct val="20000"/>
         </a:spcBef>
         <a:buFont typeface="Arial" panose="020B0604020202020204" pitchFamily="34" charset="0"/>
         <a:buChar char="•"/>
-        <a:defRPr sz="1800" kern="1200">
+        <a:defRPr sz="2000" kern="1200">
           <a:solidFill>
             <a:schemeClr val="tx1"/>
           </a:solidFill>
@@ -2948,13 +2948,13 @@
           <a:cs typeface="+mn-cs"/>
         </a:defRPr>
       </a:lvl7pPr>
-      <a:lvl8pPr marL="3150565" indent="-210038" algn="l" defTabSz="840151" rtl="0" eaLnBrk="1" latinLnBrk="0" hangingPunct="1">
+      <a:lvl8pPr marL="3470662" indent="-231378" algn="l" defTabSz="925510" rtl="0" eaLnBrk="1" latinLnBrk="0" hangingPunct="1">
         <a:spcBef>
           <a:spcPct val="20000"/>
         </a:spcBef>
         <a:buFont typeface="Arial" panose="020B0604020202020204" pitchFamily="34" charset="0"/>
         <a:buChar char="•"/>
-        <a:defRPr sz="1800" kern="1200">
+        <a:defRPr sz="2000" kern="1200">
           <a:solidFill>
             <a:schemeClr val="tx1"/>
           </a:solidFill>
@@ -2963,13 +2963,13 @@
           <a:cs typeface="+mn-cs"/>
         </a:defRPr>
       </a:lvl8pPr>
-      <a:lvl9pPr marL="3570641" indent="-210038" algn="l" defTabSz="840151" rtl="0" eaLnBrk="1" latinLnBrk="0" hangingPunct="1">
+      <a:lvl9pPr marL="3933418" indent="-231378" algn="l" defTabSz="925510" rtl="0" eaLnBrk="1" latinLnBrk="0" hangingPunct="1">
         <a:spcBef>
           <a:spcPct val="20000"/>
         </a:spcBef>
         <a:buFont typeface="Arial" panose="020B0604020202020204" pitchFamily="34" charset="0"/>
         <a:buChar char="•"/>
-        <a:defRPr sz="1800" kern="1200">
+        <a:defRPr sz="2000" kern="1200">
           <a:solidFill>
             <a:schemeClr val="tx1"/>
           </a:solidFill>
@@ -2983,8 +2983,8 @@
       <a:defPPr>
         <a:defRPr lang="en-US"/>
       </a:defPPr>
-      <a:lvl1pPr marL="0" algn="l" defTabSz="840151" rtl="0" eaLnBrk="1" latinLnBrk="0" hangingPunct="1">
-        <a:defRPr sz="1700" kern="1200">
+      <a:lvl1pPr marL="0" algn="l" defTabSz="925510" rtl="0" eaLnBrk="1" latinLnBrk="0" hangingPunct="1">
+        <a:defRPr sz="1900" kern="1200">
           <a:solidFill>
             <a:schemeClr val="tx1"/>
           </a:solidFill>
@@ -2993,8 +2993,8 @@
           <a:cs typeface="+mn-cs"/>
         </a:defRPr>
       </a:lvl1pPr>
-      <a:lvl2pPr marL="420075" algn="l" defTabSz="840151" rtl="0" eaLnBrk="1" latinLnBrk="0" hangingPunct="1">
-        <a:defRPr sz="1700" kern="1200">
+      <a:lvl2pPr marL="462755" algn="l" defTabSz="925510" rtl="0" eaLnBrk="1" latinLnBrk="0" hangingPunct="1">
+        <a:defRPr sz="1900" kern="1200">
           <a:solidFill>
             <a:schemeClr val="tx1"/>
           </a:solidFill>
@@ -3003,8 +3003,8 @@
           <a:cs typeface="+mn-cs"/>
         </a:defRPr>
       </a:lvl2pPr>
-      <a:lvl3pPr marL="840151" algn="l" defTabSz="840151" rtl="0" eaLnBrk="1" latinLnBrk="0" hangingPunct="1">
-        <a:defRPr sz="1700" kern="1200">
+      <a:lvl3pPr marL="925510" algn="l" defTabSz="925510" rtl="0" eaLnBrk="1" latinLnBrk="0" hangingPunct="1">
+        <a:defRPr sz="1900" kern="1200">
           <a:solidFill>
             <a:schemeClr val="tx1"/>
           </a:solidFill>
@@ -3013,8 +3013,8 @@
           <a:cs typeface="+mn-cs"/>
         </a:defRPr>
       </a:lvl3pPr>
-      <a:lvl4pPr marL="1260226" algn="l" defTabSz="840151" rtl="0" eaLnBrk="1" latinLnBrk="0" hangingPunct="1">
-        <a:defRPr sz="1700" kern="1200">
+      <a:lvl4pPr marL="1388265" algn="l" defTabSz="925510" rtl="0" eaLnBrk="1" latinLnBrk="0" hangingPunct="1">
+        <a:defRPr sz="1900" kern="1200">
           <a:solidFill>
             <a:schemeClr val="tx1"/>
           </a:solidFill>
@@ -3023,8 +3023,8 @@
           <a:cs typeface="+mn-cs"/>
         </a:defRPr>
       </a:lvl4pPr>
-      <a:lvl5pPr marL="1680301" algn="l" defTabSz="840151" rtl="0" eaLnBrk="1" latinLnBrk="0" hangingPunct="1">
-        <a:defRPr sz="1700" kern="1200">
+      <a:lvl5pPr marL="1851020" algn="l" defTabSz="925510" rtl="0" eaLnBrk="1" latinLnBrk="0" hangingPunct="1">
+        <a:defRPr sz="1900" kern="1200">
           <a:solidFill>
             <a:schemeClr val="tx1"/>
           </a:solidFill>
@@ -3033,8 +3033,8 @@
           <a:cs typeface="+mn-cs"/>
         </a:defRPr>
       </a:lvl5pPr>
-      <a:lvl6pPr marL="2100377" algn="l" defTabSz="840151" rtl="0" eaLnBrk="1" latinLnBrk="0" hangingPunct="1">
-        <a:defRPr sz="1700" kern="1200">
+      <a:lvl6pPr marL="2313775" algn="l" defTabSz="925510" rtl="0" eaLnBrk="1" latinLnBrk="0" hangingPunct="1">
+        <a:defRPr sz="1900" kern="1200">
           <a:solidFill>
             <a:schemeClr val="tx1"/>
           </a:solidFill>
@@ -3043,8 +3043,8 @@
           <a:cs typeface="+mn-cs"/>
         </a:defRPr>
       </a:lvl6pPr>
-      <a:lvl7pPr marL="2520452" algn="l" defTabSz="840151" rtl="0" eaLnBrk="1" latinLnBrk="0" hangingPunct="1">
-        <a:defRPr sz="1700" kern="1200">
+      <a:lvl7pPr marL="2776530" algn="l" defTabSz="925510" rtl="0" eaLnBrk="1" latinLnBrk="0" hangingPunct="1">
+        <a:defRPr sz="1900" kern="1200">
           <a:solidFill>
             <a:schemeClr val="tx1"/>
           </a:solidFill>
@@ -3053,8 +3053,8 @@
           <a:cs typeface="+mn-cs"/>
         </a:defRPr>
       </a:lvl7pPr>
-      <a:lvl8pPr marL="2940528" algn="l" defTabSz="840151" rtl="0" eaLnBrk="1" latinLnBrk="0" hangingPunct="1">
-        <a:defRPr sz="1700" kern="1200">
+      <a:lvl8pPr marL="3239286" algn="l" defTabSz="925510" rtl="0" eaLnBrk="1" latinLnBrk="0" hangingPunct="1">
+        <a:defRPr sz="1900" kern="1200">
           <a:solidFill>
             <a:schemeClr val="tx1"/>
           </a:solidFill>
@@ -3063,8 +3063,8 @@
           <a:cs typeface="+mn-cs"/>
         </a:defRPr>
       </a:lvl8pPr>
-      <a:lvl9pPr marL="3360603" algn="l" defTabSz="840151" rtl="0" eaLnBrk="1" latinLnBrk="0" hangingPunct="1">
-        <a:defRPr sz="1700" kern="1200">
+      <a:lvl9pPr marL="3702040" algn="l" defTabSz="925510" rtl="0" eaLnBrk="1" latinLnBrk="0" hangingPunct="1">
+        <a:defRPr sz="1900" kern="1200">
           <a:solidFill>
             <a:schemeClr val="tx1"/>
           </a:solidFill>
@@ -3097,7 +3097,7 @@
       </p:grpSpPr>
       <p:pic>
         <p:nvPicPr>
-          <p:cNvPr id="61" name="Picture 2" descr="C:\Users\Wendy\Documents\wwn20\CPGS\Figures\Samples\CHPI x100\CHPI-4000-humid.jpg"/>
+          <p:cNvPr id="43" name="Picture 2" descr="C:\Users\Wendy\Documents\wwn20\CPGS\Figures\Samples\CHPI x100\CHPI-4000-humid.jpg"/>
           <p:cNvPicPr>
             <a:picLocks noChangeAspect="1" noChangeArrowheads="1"/>
           </p:cNvPicPr>
@@ -3118,7 +3118,7 @@
         </p:blipFill>
         <p:spPr bwMode="auto">
           <a:xfrm>
-            <a:off x="3601328" y="80612"/>
+            <a:off x="2906261" y="41824"/>
             <a:ext cx="2628000" cy="1971000"/>
           </a:xfrm>
           <a:prstGeom prst="rect">
@@ -3138,7 +3138,7 @@
       </p:pic>
       <p:pic>
         <p:nvPicPr>
-          <p:cNvPr id="62" name="Picture 61"/>
+          <p:cNvPr id="44" name="Picture 43"/>
           <p:cNvPicPr>
             <a:picLocks noChangeAspect="1" noChangeArrowheads="1"/>
           </p:cNvPicPr>
@@ -3159,7 +3159,7 @@
         </p:blipFill>
         <p:spPr bwMode="auto">
           <a:xfrm>
-            <a:off x="396680" y="80612"/>
+            <a:off x="61919" y="41824"/>
             <a:ext cx="2628000" cy="1971000"/>
           </a:xfrm>
           <a:prstGeom prst="rect">
@@ -3202,13 +3202,13 @@
       </p:pic>
       <p:sp>
         <p:nvSpPr>
-          <p:cNvPr id="63" name="TextBox 62"/>
+          <p:cNvPr id="45" name="TextBox 44"/>
           <p:cNvSpPr txBox="1"/>
           <p:nvPr/>
         </p:nvSpPr>
         <p:spPr>
           <a:xfrm>
-            <a:off x="-74557" y="-36402"/>
+            <a:off x="61919" y="41824"/>
             <a:ext cx="576064" cy="477054"/>
           </a:xfrm>
           <a:prstGeom prst="rect">
@@ -3232,13 +3232,13 @@
       </p:sp>
       <p:sp>
         <p:nvSpPr>
-          <p:cNvPr id="64" name="TextBox 63"/>
+          <p:cNvPr id="46" name="TextBox 45"/>
           <p:cNvSpPr txBox="1"/>
           <p:nvPr/>
         </p:nvSpPr>
         <p:spPr>
           <a:xfrm>
-            <a:off x="3113228" y="-36402"/>
+            <a:off x="2906261" y="41824"/>
             <a:ext cx="576064" cy="477054"/>
           </a:xfrm>
           <a:prstGeom prst="rect">
@@ -3262,7 +3262,7 @@
       </p:sp>
       <p:pic>
         <p:nvPicPr>
-          <p:cNvPr id="65" name="Picture 64"/>
+          <p:cNvPr id="47" name="Picture 46"/>
           <p:cNvPicPr>
             <a:picLocks noChangeAspect="1" noChangeArrowheads="1"/>
           </p:cNvPicPr>
@@ -3283,7 +3283,7 @@
         </p:blipFill>
         <p:spPr bwMode="auto">
           <a:xfrm>
-            <a:off x="1962125" y="2186988"/>
+            <a:off x="5760101" y="41824"/>
             <a:ext cx="2628000" cy="1971000"/>
           </a:xfrm>
           <a:prstGeom prst="rect">
@@ -3324,64 +3324,59 @@
           </a:extLst>
         </p:spPr>
       </p:pic>
+      <p:sp>
+        <p:nvSpPr>
+          <p:cNvPr id="49" name="TextBox 48"/>
+          <p:cNvSpPr txBox="1"/>
+          <p:nvPr/>
+        </p:nvSpPr>
+        <p:spPr>
+          <a:xfrm>
+            <a:off x="5760101" y="41824"/>
+            <a:ext cx="576064" cy="477054"/>
+          </a:xfrm>
+          <a:prstGeom prst="rect">
+            <a:avLst/>
+          </a:prstGeom>
+          <a:noFill/>
+        </p:spPr>
+        <p:txBody>
+          <a:bodyPr wrap="square" rtlCol="0">
+            <a:spAutoFit/>
+          </a:bodyPr>
+          <a:lstStyle/>
+          <a:p>
+            <a:r>
+              <a:rPr lang="en-GB" sz="2500" dirty="0" smtClean="0"/>
+              <a:t>(c)</a:t>
+            </a:r>
+            <a:endParaRPr lang="en-GB" sz="2500" dirty="0"/>
+          </a:p>
+        </p:txBody>
+      </p:sp>
       <p:grpSp>
         <p:nvGrpSpPr>
-          <p:cNvPr id="66" name="Group 65"/>
+          <p:cNvPr id="50" name="Group 49"/>
           <p:cNvGrpSpPr/>
           <p:nvPr/>
         </p:nvGrpSpPr>
         <p:grpSpPr>
           <a:xfrm>
-            <a:off x="3762325" y="3659086"/>
+            <a:off x="1784088" y="1433484"/>
             <a:ext cx="827800" cy="400110"/>
-            <a:chOff x="3762325" y="3659086"/>
+            <a:chOff x="2118849" y="1472272"/>
             <a:chExt cx="827800" cy="400110"/>
           </a:xfrm>
         </p:grpSpPr>
-        <p:cxnSp>
-          <p:nvCxnSpPr>
-            <p:cNvPr id="67" name="Straight Connector 66"/>
-            <p:cNvCxnSpPr/>
-            <p:nvPr/>
-          </p:nvCxnSpPr>
-          <p:spPr>
-            <a:xfrm>
-              <a:off x="3810295" y="4026860"/>
-              <a:ext cx="709200" cy="0"/>
-            </a:xfrm>
-            <a:prstGeom prst="line">
-              <a:avLst/>
-            </a:prstGeom>
-            <a:ln w="28575">
-              <a:solidFill>
-                <a:schemeClr val="bg1"/>
-              </a:solidFill>
-            </a:ln>
-          </p:spPr>
-          <p:style>
-            <a:lnRef idx="1">
-              <a:schemeClr val="accent1"/>
-            </a:lnRef>
-            <a:fillRef idx="0">
-              <a:schemeClr val="accent1"/>
-            </a:fillRef>
-            <a:effectRef idx="0">
-              <a:schemeClr val="accent1"/>
-            </a:effectRef>
-            <a:fontRef idx="minor">
-              <a:schemeClr val="tx1"/>
-            </a:fontRef>
-          </p:style>
-        </p:cxnSp>
         <p:sp>
           <p:nvSpPr>
-            <p:cNvPr id="68" name="TextBox 67"/>
+            <p:cNvPr id="51" name="TextBox 50"/>
             <p:cNvSpPr txBox="1"/>
             <p:nvPr/>
           </p:nvSpPr>
           <p:spPr>
             <a:xfrm>
-              <a:off x="3762325" y="3659086"/>
+              <a:off x="2118849" y="1472272"/>
               <a:ext cx="827800" cy="400110"/>
             </a:xfrm>
             <a:prstGeom prst="rect">
@@ -3411,46 +3406,51 @@
             </a:p>
           </p:txBody>
         </p:sp>
+        <p:cxnSp>
+          <p:nvCxnSpPr>
+            <p:cNvPr id="52" name="Straight Connector 51"/>
+            <p:cNvCxnSpPr/>
+            <p:nvPr/>
+          </p:nvCxnSpPr>
+          <p:spPr>
+            <a:xfrm>
+              <a:off x="2178149" y="1872382"/>
+              <a:ext cx="709200" cy="0"/>
+            </a:xfrm>
+            <a:prstGeom prst="line">
+              <a:avLst/>
+            </a:prstGeom>
+            <a:ln w="28575">
+              <a:solidFill>
+                <a:schemeClr val="bg1"/>
+              </a:solidFill>
+            </a:ln>
+          </p:spPr>
+          <p:style>
+            <a:lnRef idx="1">
+              <a:schemeClr val="accent1"/>
+            </a:lnRef>
+            <a:fillRef idx="0">
+              <a:schemeClr val="accent1"/>
+            </a:fillRef>
+            <a:effectRef idx="0">
+              <a:schemeClr val="accent1"/>
+            </a:effectRef>
+            <a:fontRef idx="minor">
+              <a:schemeClr val="tx1"/>
+            </a:fontRef>
+          </p:style>
+        </p:cxnSp>
       </p:grpSp>
-      <p:sp>
-        <p:nvSpPr>
-          <p:cNvPr id="69" name="TextBox 68"/>
-          <p:cNvSpPr txBox="1"/>
-          <p:nvPr/>
-        </p:nvSpPr>
-        <p:spPr>
-          <a:xfrm>
-            <a:off x="1493781" y="2069974"/>
-            <a:ext cx="576064" cy="477054"/>
-          </a:xfrm>
-          <a:prstGeom prst="rect">
-            <a:avLst/>
-          </a:prstGeom>
-          <a:noFill/>
-        </p:spPr>
-        <p:txBody>
-          <a:bodyPr wrap="square" rtlCol="0">
-            <a:spAutoFit/>
-          </a:bodyPr>
-          <a:lstStyle/>
-          <a:p>
-            <a:r>
-              <a:rPr lang="en-GB" sz="2500" dirty="0" smtClean="0"/>
-              <a:t>(c)</a:t>
-            </a:r>
-            <a:endParaRPr lang="en-GB" sz="2500" dirty="0"/>
-          </a:p>
-        </p:txBody>
-      </p:sp>
       <p:cxnSp>
         <p:nvCxnSpPr>
-          <p:cNvPr id="70" name="Straight Connector 69"/>
+          <p:cNvPr id="53" name="Straight Connector 52"/>
           <p:cNvCxnSpPr/>
           <p:nvPr/>
         </p:nvCxnSpPr>
         <p:spPr>
           <a:xfrm>
-            <a:off x="2178149" y="1872382"/>
+            <a:off x="4651434" y="1821854"/>
             <a:ext cx="709200" cy="0"/>
           </a:xfrm>
           <a:prstGeom prst="line">
@@ -3477,15 +3477,86 @@
           </a:fontRef>
         </p:style>
       </p:cxnSp>
+      <p:pic>
+        <p:nvPicPr>
+          <p:cNvPr id="54" name="Picture 3" descr="C:\Users\Wendy\Documents\wwn20\Thesis\Chapter4\Figures\Fig8_AFM.png"/>
+          <p:cNvPicPr>
+            <a:picLocks noChangeAspect="1" noChangeArrowheads="1"/>
+          </p:cNvPicPr>
+          <p:nvPr/>
+        </p:nvPicPr>
+        <p:blipFill>
+          <a:blip r:embed="rId5">
+            <a:extLst>
+              <a:ext uri="{28A0092B-C50C-407E-A947-70E740481C1C}">
+                <a14:useLocalDpi xmlns:a14="http://schemas.microsoft.com/office/drawing/2010/main" val="0"/>
+              </a:ext>
+            </a:extLst>
+          </a:blip>
+          <a:srcRect/>
+          <a:stretch>
+            <a:fillRect/>
+          </a:stretch>
+        </p:blipFill>
+        <p:spPr bwMode="auto">
+          <a:xfrm>
+            <a:off x="2180724" y="2056870"/>
+            <a:ext cx="3992778" cy="2479820"/>
+          </a:xfrm>
+          <a:prstGeom prst="rect">
+            <a:avLst/>
+          </a:prstGeom>
+          <a:noFill/>
+          <a:extLst>
+            <a:ext uri="{909E8E84-426E-40DD-AFC4-6F175D3DCCD1}">
+              <a14:hiddenFill xmlns:a14="http://schemas.microsoft.com/office/drawing/2010/main">
+                <a:solidFill>
+                  <a:srgbClr val="FFFFFF"/>
+                </a:solidFill>
+              </a14:hiddenFill>
+            </a:ext>
+          </a:extLst>
+        </p:spPr>
+      </p:pic>
+      <p:sp>
+        <p:nvSpPr>
+          <p:cNvPr id="55" name="TextBox 54"/>
+          <p:cNvSpPr txBox="1"/>
+          <p:nvPr/>
+        </p:nvSpPr>
+        <p:spPr>
+          <a:xfrm>
+            <a:off x="1962727" y="2056870"/>
+            <a:ext cx="576064" cy="477054"/>
+          </a:xfrm>
+          <a:prstGeom prst="rect">
+            <a:avLst/>
+          </a:prstGeom>
+          <a:noFill/>
+        </p:spPr>
+        <p:txBody>
+          <a:bodyPr wrap="square" rtlCol="0">
+            <a:spAutoFit/>
+          </a:bodyPr>
+          <a:lstStyle/>
+          <a:p>
+            <a:r>
+              <a:rPr lang="en-GB" sz="2500" dirty="0" smtClean="0"/>
+              <a:t>(d)</a:t>
+            </a:r>
+            <a:endParaRPr lang="en-GB" sz="2500" dirty="0"/>
+          </a:p>
+        </p:txBody>
+      </p:sp>
       <p:cxnSp>
         <p:nvCxnSpPr>
-          <p:cNvPr id="71" name="Straight Connector 70"/>
+          <p:cNvPr id="15" name="Straight Connector 14"/>
           <p:cNvCxnSpPr/>
           <p:nvPr/>
         </p:nvCxnSpPr>
         <p:spPr>
           <a:xfrm>
-            <a:off x="5346501" y="1860642"/>
+            <a:off x="7543055" y="1814544"/>
             <a:ext cx="709200" cy="0"/>
           </a:xfrm>
           <a:prstGeom prst="line">
@@ -3556,7 +3627,7 @@
                                           </p:stCondLst>
                                         </p:cTn>
                                         <p:tgtEl>
-                                          <p:spTgt spid="65"/>
+                                          <p:spTgt spid="47"/>
                                         </p:tgtEl>
                                         <p:attrNameLst>
                                           <p:attrName>style.visibility</p:attrName>
